--- a/docs/presentation.pptx
+++ b/docs/presentation.pptx
@@ -819,7 +819,7 @@
   <p:cSld>
     <p:spTree>
       <p:nvGrpSpPr>
-        <p:cNvPr id="122" name="Shape 122"/>
+        <p:cNvPr id="123" name="Shape 123"/>
         <p:cNvGrpSpPr/>
         <p:nvPr/>
       </p:nvGrpSpPr>
@@ -833,7 +833,7 @@
       </p:grpSpPr>
       <p:sp>
         <p:nvSpPr>
-          <p:cNvPr id="123" name="Google Shape;123;g12eda8b07e6_0_62:notes"/>
+          <p:cNvPr id="124" name="Google Shape;124;g12eda8b07e6_0_62:notes"/>
           <p:cNvSpPr/>
           <p:nvPr>
             <p:ph idx="2" type="sldImg"/>
@@ -868,7 +868,7 @@
       </p:sp>
       <p:sp>
         <p:nvSpPr>
-          <p:cNvPr id="124" name="Google Shape;124;g12eda8b07e6_0_62:notes"/>
+          <p:cNvPr id="125" name="Google Shape;125;g12eda8b07e6_0_62:notes"/>
           <p:cNvSpPr txBox="1"/>
           <p:nvPr>
             <p:ph idx="1" type="body"/>
@@ -918,7 +918,7 @@
   <p:cSld>
     <p:spTree>
       <p:nvGrpSpPr>
-        <p:cNvPr id="129" name="Shape 129"/>
+        <p:cNvPr id="130" name="Shape 130"/>
         <p:cNvGrpSpPr/>
         <p:nvPr/>
       </p:nvGrpSpPr>
@@ -932,7 +932,7 @@
       </p:grpSpPr>
       <p:sp>
         <p:nvSpPr>
-          <p:cNvPr id="130" name="Google Shape;130;g12d7e055f61_0_41:notes"/>
+          <p:cNvPr id="131" name="Google Shape;131;g12d7e055f61_0_41:notes"/>
           <p:cNvSpPr/>
           <p:nvPr>
             <p:ph idx="2" type="sldImg"/>
@@ -967,7 +967,7 @@
       </p:sp>
       <p:sp>
         <p:nvSpPr>
-          <p:cNvPr id="131" name="Google Shape;131;g12d7e055f61_0_41:notes"/>
+          <p:cNvPr id="132" name="Google Shape;132;g12d7e055f61_0_41:notes"/>
           <p:cNvSpPr txBox="1"/>
           <p:nvPr>
             <p:ph idx="1" type="body"/>
@@ -1017,7 +1017,7 @@
   <p:cSld>
     <p:spTree>
       <p:nvGrpSpPr>
-        <p:cNvPr id="140" name="Shape 140"/>
+        <p:cNvPr id="141" name="Shape 141"/>
         <p:cNvGrpSpPr/>
         <p:nvPr/>
       </p:nvGrpSpPr>
@@ -1031,7 +1031,7 @@
       </p:grpSpPr>
       <p:sp>
         <p:nvSpPr>
-          <p:cNvPr id="141" name="Google Shape;141;g12d7e055f61_0_61:notes"/>
+          <p:cNvPr id="142" name="Google Shape;142;g12d7e055f61_0_61:notes"/>
           <p:cNvSpPr/>
           <p:nvPr>
             <p:ph idx="2" type="sldImg"/>
@@ -1066,7 +1066,7 @@
       </p:sp>
       <p:sp>
         <p:nvSpPr>
-          <p:cNvPr id="142" name="Google Shape;142;g12d7e055f61_0_61:notes"/>
+          <p:cNvPr id="143" name="Google Shape;143;g12d7e055f61_0_61:notes"/>
           <p:cNvSpPr txBox="1"/>
           <p:nvPr>
             <p:ph idx="1" type="body"/>
@@ -1116,7 +1116,7 @@
   <p:cSld>
     <p:spTree>
       <p:nvGrpSpPr>
-        <p:cNvPr id="149" name="Shape 149"/>
+        <p:cNvPr id="150" name="Shape 150"/>
         <p:cNvGrpSpPr/>
         <p:nvPr/>
       </p:nvGrpSpPr>
@@ -1130,7 +1130,7 @@
       </p:grpSpPr>
       <p:sp>
         <p:nvSpPr>
-          <p:cNvPr id="150" name="Google Shape;150;g12eda8b07e6_0_81:notes"/>
+          <p:cNvPr id="151" name="Google Shape;151;g12eda8b07e6_0_81:notes"/>
           <p:cNvSpPr/>
           <p:nvPr>
             <p:ph idx="2" type="sldImg"/>
@@ -1165,7 +1165,7 @@
       </p:sp>
       <p:sp>
         <p:nvSpPr>
-          <p:cNvPr id="151" name="Google Shape;151;g12eda8b07e6_0_81:notes"/>
+          <p:cNvPr id="152" name="Google Shape;152;g12eda8b07e6_0_81:notes"/>
           <p:cNvSpPr txBox="1"/>
           <p:nvPr>
             <p:ph idx="1" type="body"/>
@@ -1215,7 +1215,7 @@
   <p:cSld>
     <p:spTree>
       <p:nvGrpSpPr>
-        <p:cNvPr id="157" name="Shape 157"/>
+        <p:cNvPr id="158" name="Shape 158"/>
         <p:cNvGrpSpPr/>
         <p:nvPr/>
       </p:nvGrpSpPr>
@@ -1229,7 +1229,7 @@
       </p:grpSpPr>
       <p:sp>
         <p:nvSpPr>
-          <p:cNvPr id="158" name="Google Shape;158;g12eda8b07e6_0_88:notes"/>
+          <p:cNvPr id="159" name="Google Shape;159;g12eda8b07e6_0_88:notes"/>
           <p:cNvSpPr/>
           <p:nvPr>
             <p:ph idx="2" type="sldImg"/>
@@ -1264,7 +1264,7 @@
       </p:sp>
       <p:sp>
         <p:nvSpPr>
-          <p:cNvPr id="159" name="Google Shape;159;g12eda8b07e6_0_88:notes"/>
+          <p:cNvPr id="160" name="Google Shape;160;g12eda8b07e6_0_88:notes"/>
           <p:cNvSpPr txBox="1"/>
           <p:nvPr>
             <p:ph idx="1" type="body"/>
@@ -1314,7 +1314,7 @@
   <p:cSld>
     <p:spTree>
       <p:nvGrpSpPr>
-        <p:cNvPr id="165" name="Shape 165"/>
+        <p:cNvPr id="166" name="Shape 166"/>
         <p:cNvGrpSpPr/>
         <p:nvPr/>
       </p:nvGrpSpPr>
@@ -1328,7 +1328,7 @@
       </p:grpSpPr>
       <p:sp>
         <p:nvSpPr>
-          <p:cNvPr id="166" name="Google Shape;166;g128b453db44_0_45:notes"/>
+          <p:cNvPr id="167" name="Google Shape;167;g128b453db44_0_45:notes"/>
           <p:cNvSpPr/>
           <p:nvPr>
             <p:ph idx="2" type="sldImg"/>
@@ -1363,7 +1363,7 @@
       </p:sp>
       <p:sp>
         <p:nvSpPr>
-          <p:cNvPr id="167" name="Google Shape;167;g128b453db44_0_45:notes"/>
+          <p:cNvPr id="168" name="Google Shape;168;g128b453db44_0_45:notes"/>
           <p:cNvSpPr txBox="1"/>
           <p:nvPr>
             <p:ph idx="1" type="body"/>
@@ -1809,7 +1809,7 @@
   <p:cSld>
     <p:spTree>
       <p:nvGrpSpPr>
-        <p:cNvPr id="91" name="Shape 91"/>
+        <p:cNvPr id="92" name="Shape 92"/>
         <p:cNvGrpSpPr/>
         <p:nvPr/>
       </p:nvGrpSpPr>
@@ -1823,7 +1823,7 @@
       </p:grpSpPr>
       <p:sp>
         <p:nvSpPr>
-          <p:cNvPr id="92" name="Google Shape;92;g12eda8b07e6_0_47:notes"/>
+          <p:cNvPr id="93" name="Google Shape;93;g12eda8b07e6_0_47:notes"/>
           <p:cNvSpPr/>
           <p:nvPr>
             <p:ph idx="2" type="sldImg"/>
@@ -1858,7 +1858,7 @@
       </p:sp>
       <p:sp>
         <p:nvSpPr>
-          <p:cNvPr id="93" name="Google Shape;93;g12eda8b07e6_0_47:notes"/>
+          <p:cNvPr id="94" name="Google Shape;94;g12eda8b07e6_0_47:notes"/>
           <p:cNvSpPr txBox="1"/>
           <p:nvPr>
             <p:ph idx="1" type="body"/>
@@ -1908,7 +1908,7 @@
   <p:cSld>
     <p:spTree>
       <p:nvGrpSpPr>
-        <p:cNvPr id="99" name="Shape 99"/>
+        <p:cNvPr id="100" name="Shape 100"/>
         <p:cNvGrpSpPr/>
         <p:nvPr/>
       </p:nvGrpSpPr>
@@ -1922,7 +1922,7 @@
       </p:grpSpPr>
       <p:sp>
         <p:nvSpPr>
-          <p:cNvPr id="100" name="Google Shape;100;g12eda8b07e6_0_68:notes"/>
+          <p:cNvPr id="101" name="Google Shape;101;g12eda8b07e6_0_68:notes"/>
           <p:cNvSpPr/>
           <p:nvPr>
             <p:ph idx="2" type="sldImg"/>
@@ -1957,7 +1957,7 @@
       </p:sp>
       <p:sp>
         <p:nvSpPr>
-          <p:cNvPr id="101" name="Google Shape;101;g12eda8b07e6_0_68:notes"/>
+          <p:cNvPr id="102" name="Google Shape;102;g12eda8b07e6_0_68:notes"/>
           <p:cNvSpPr txBox="1"/>
           <p:nvPr>
             <p:ph idx="1" type="body"/>
@@ -2007,7 +2007,7 @@
   <p:cSld>
     <p:spTree>
       <p:nvGrpSpPr>
-        <p:cNvPr id="107" name="Shape 107"/>
+        <p:cNvPr id="108" name="Shape 108"/>
         <p:cNvGrpSpPr/>
         <p:nvPr/>
       </p:nvGrpSpPr>
@@ -2021,7 +2021,7 @@
       </p:grpSpPr>
       <p:sp>
         <p:nvSpPr>
-          <p:cNvPr id="108" name="Google Shape;108;g12d7e055f61_0_74:notes"/>
+          <p:cNvPr id="109" name="Google Shape;109;g12d7e055f61_0_74:notes"/>
           <p:cNvSpPr/>
           <p:nvPr>
             <p:ph idx="2" type="sldImg"/>
@@ -2056,7 +2056,7 @@
       </p:sp>
       <p:sp>
         <p:nvSpPr>
-          <p:cNvPr id="109" name="Google Shape;109;g12d7e055f61_0_74:notes"/>
+          <p:cNvPr id="110" name="Google Shape;110;g12d7e055f61_0_74:notes"/>
           <p:cNvSpPr txBox="1"/>
           <p:nvPr>
             <p:ph idx="1" type="body"/>
@@ -2106,7 +2106,7 @@
   <p:cSld>
     <p:spTree>
       <p:nvGrpSpPr>
-        <p:cNvPr id="114" name="Shape 114"/>
+        <p:cNvPr id="115" name="Shape 115"/>
         <p:cNvGrpSpPr/>
         <p:nvPr/>
       </p:nvGrpSpPr>
@@ -2120,7 +2120,7 @@
       </p:grpSpPr>
       <p:sp>
         <p:nvSpPr>
-          <p:cNvPr id="115" name="Google Shape;115;g12d7e055f61_0_33:notes"/>
+          <p:cNvPr id="116" name="Google Shape;116;g12d7e055f61_0_33:notes"/>
           <p:cNvSpPr/>
           <p:nvPr>
             <p:ph idx="2" type="sldImg"/>
@@ -2155,7 +2155,7 @@
       </p:sp>
       <p:sp>
         <p:nvSpPr>
-          <p:cNvPr id="116" name="Google Shape;116;g12d7e055f61_0_33:notes"/>
+          <p:cNvPr id="117" name="Google Shape;117;g12d7e055f61_0_33:notes"/>
           <p:cNvSpPr txBox="1"/>
           <p:nvPr>
             <p:ph idx="1" type="body"/>
@@ -7262,7 +7262,7 @@
   <p:cSld>
     <p:spTree>
       <p:nvGrpSpPr>
-        <p:cNvPr id="125" name="Shape 125"/>
+        <p:cNvPr id="126" name="Shape 126"/>
         <p:cNvGrpSpPr/>
         <p:nvPr/>
       </p:nvGrpSpPr>
@@ -7276,7 +7276,7 @@
       </p:grpSpPr>
       <p:sp>
         <p:nvSpPr>
-          <p:cNvPr id="126" name="Google Shape;126;p22"/>
+          <p:cNvPr id="127" name="Google Shape;127;p22"/>
           <p:cNvSpPr txBox="1"/>
           <p:nvPr>
             <p:ph type="title"/>
@@ -7344,7 +7344,7 @@
       </p:sp>
       <p:sp>
         <p:nvSpPr>
-          <p:cNvPr id="127" name="Google Shape;127;p22"/>
+          <p:cNvPr id="128" name="Google Shape;128;p22"/>
           <p:cNvSpPr txBox="1"/>
           <p:nvPr>
             <p:ph idx="12" type="sldNum"/>
@@ -7384,7 +7384,7 @@
       </p:sp>
       <p:pic>
         <p:nvPicPr>
-          <p:cNvPr id="128" name="Google Shape;128;p22"/>
+          <p:cNvPr id="129" name="Google Shape;129;p22"/>
           <p:cNvPicPr preferRelativeResize="0"/>
           <p:nvPr/>
         </p:nvPicPr>
@@ -7398,7 +7398,7 @@
         </p:blipFill>
         <p:spPr>
           <a:xfrm>
-            <a:off x="4022000" y="295400"/>
+            <a:off x="3981125" y="231700"/>
             <a:ext cx="4893300" cy="4552699"/>
           </a:xfrm>
           <a:prstGeom prst="rect">
@@ -7423,7 +7423,7 @@
   <p:cSld>
     <p:spTree>
       <p:nvGrpSpPr>
-        <p:cNvPr id="132" name="Shape 132"/>
+        <p:cNvPr id="133" name="Shape 133"/>
         <p:cNvGrpSpPr/>
         <p:nvPr/>
       </p:nvGrpSpPr>
@@ -7437,7 +7437,7 @@
       </p:grpSpPr>
       <p:sp>
         <p:nvSpPr>
-          <p:cNvPr id="133" name="Google Shape;133;p23"/>
+          <p:cNvPr id="134" name="Google Shape;134;p23"/>
           <p:cNvSpPr txBox="1"/>
           <p:nvPr>
             <p:ph type="title"/>
@@ -7487,7 +7487,7 @@
       </p:sp>
       <p:pic>
         <p:nvPicPr>
-          <p:cNvPr id="134" name="Google Shape;134;p23"/>
+          <p:cNvPr id="135" name="Google Shape;135;p23"/>
           <p:cNvPicPr preferRelativeResize="0"/>
           <p:nvPr/>
         </p:nvPicPr>
@@ -7515,7 +7515,7 @@
       </p:pic>
       <p:pic>
         <p:nvPicPr>
-          <p:cNvPr id="135" name="Google Shape;135;p23"/>
+          <p:cNvPr id="136" name="Google Shape;136;p23"/>
           <p:cNvPicPr preferRelativeResize="0"/>
           <p:nvPr/>
         </p:nvPicPr>
@@ -7543,7 +7543,7 @@
       </p:pic>
       <p:pic>
         <p:nvPicPr>
-          <p:cNvPr id="136" name="Google Shape;136;p23"/>
+          <p:cNvPr id="137" name="Google Shape;137;p23"/>
           <p:cNvPicPr preferRelativeResize="0"/>
           <p:nvPr/>
         </p:nvPicPr>
@@ -7571,7 +7571,7 @@
       </p:pic>
       <p:pic>
         <p:nvPicPr>
-          <p:cNvPr id="137" name="Google Shape;137;p23"/>
+          <p:cNvPr id="138" name="Google Shape;138;p23"/>
           <p:cNvPicPr preferRelativeResize="0"/>
           <p:nvPr/>
         </p:nvPicPr>
@@ -7599,7 +7599,7 @@
       </p:pic>
       <p:pic>
         <p:nvPicPr>
-          <p:cNvPr id="138" name="Google Shape;138;p23"/>
+          <p:cNvPr id="139" name="Google Shape;139;p23"/>
           <p:cNvPicPr preferRelativeResize="0"/>
           <p:nvPr/>
         </p:nvPicPr>
@@ -7627,7 +7627,7 @@
       </p:pic>
       <p:sp>
         <p:nvSpPr>
-          <p:cNvPr id="139" name="Google Shape;139;p23"/>
+          <p:cNvPr id="140" name="Google Shape;140;p23"/>
           <p:cNvSpPr txBox="1"/>
           <p:nvPr>
             <p:ph idx="12" type="sldNum"/>
@@ -7678,7 +7678,7 @@
   <p:cSld>
     <p:spTree>
       <p:nvGrpSpPr>
-        <p:cNvPr id="143" name="Shape 143"/>
+        <p:cNvPr id="144" name="Shape 144"/>
         <p:cNvGrpSpPr/>
         <p:nvPr/>
       </p:nvGrpSpPr>
@@ -7692,7 +7692,7 @@
       </p:grpSpPr>
       <p:pic>
         <p:nvPicPr>
-          <p:cNvPr id="144" name="Google Shape;144;p24"/>
+          <p:cNvPr id="145" name="Google Shape;145;p24"/>
           <p:cNvPicPr preferRelativeResize="0"/>
           <p:nvPr/>
         </p:nvPicPr>
@@ -7720,7 +7720,7 @@
       </p:pic>
       <p:sp>
         <p:nvSpPr>
-          <p:cNvPr id="145" name="Google Shape;145;p24"/>
+          <p:cNvPr id="146" name="Google Shape;146;p24"/>
           <p:cNvSpPr txBox="1"/>
           <p:nvPr>
             <p:ph type="title"/>
@@ -7773,7 +7773,7 @@
       </p:sp>
       <p:sp>
         <p:nvSpPr>
-          <p:cNvPr id="146" name="Google Shape;146;p24"/>
+          <p:cNvPr id="147" name="Google Shape;147;p24"/>
           <p:cNvSpPr txBox="1"/>
           <p:nvPr/>
         </p:nvSpPr>
@@ -7873,7 +7873,7 @@
       </p:sp>
       <p:sp>
         <p:nvSpPr>
-          <p:cNvPr id="147" name="Google Shape;147;p24"/>
+          <p:cNvPr id="148" name="Google Shape;148;p24"/>
           <p:cNvSpPr txBox="1"/>
           <p:nvPr/>
         </p:nvSpPr>
@@ -7949,7 +7949,7 @@
       </p:sp>
       <p:sp>
         <p:nvSpPr>
-          <p:cNvPr id="148" name="Google Shape;148;p24"/>
+          <p:cNvPr id="149" name="Google Shape;149;p24"/>
           <p:cNvSpPr txBox="1"/>
           <p:nvPr>
             <p:ph idx="12" type="sldNum"/>
@@ -8000,7 +8000,7 @@
   <p:cSld>
     <p:spTree>
       <p:nvGrpSpPr>
-        <p:cNvPr id="152" name="Shape 152"/>
+        <p:cNvPr id="153" name="Shape 153"/>
         <p:cNvGrpSpPr/>
         <p:nvPr/>
       </p:nvGrpSpPr>
@@ -8014,7 +8014,7 @@
       </p:grpSpPr>
       <p:sp>
         <p:nvSpPr>
-          <p:cNvPr id="153" name="Google Shape;153;p25"/>
+          <p:cNvPr id="154" name="Google Shape;154;p25"/>
           <p:cNvSpPr txBox="1"/>
           <p:nvPr>
             <p:ph type="title"/>
@@ -8065,7 +8065,7 @@
       </p:sp>
       <p:sp>
         <p:nvSpPr>
-          <p:cNvPr id="154" name="Google Shape;154;p25"/>
+          <p:cNvPr id="155" name="Google Shape;155;p25"/>
           <p:cNvSpPr txBox="1"/>
           <p:nvPr>
             <p:ph idx="1" type="body"/>
@@ -8380,7 +8380,7 @@
       </p:sp>
       <p:sp>
         <p:nvSpPr>
-          <p:cNvPr id="155" name="Google Shape;155;p25"/>
+          <p:cNvPr id="156" name="Google Shape;156;p25"/>
           <p:cNvSpPr txBox="1"/>
           <p:nvPr/>
         </p:nvSpPr>
@@ -8430,7 +8430,7 @@
       </p:sp>
       <p:sp>
         <p:nvSpPr>
-          <p:cNvPr id="156" name="Google Shape;156;p25"/>
+          <p:cNvPr id="157" name="Google Shape;157;p25"/>
           <p:cNvSpPr txBox="1"/>
           <p:nvPr>
             <p:ph idx="12" type="sldNum"/>
@@ -8481,7 +8481,7 @@
   <p:cSld>
     <p:spTree>
       <p:nvGrpSpPr>
-        <p:cNvPr id="160" name="Shape 160"/>
+        <p:cNvPr id="161" name="Shape 161"/>
         <p:cNvGrpSpPr/>
         <p:nvPr/>
       </p:nvGrpSpPr>
@@ -8495,7 +8495,7 @@
       </p:grpSpPr>
       <p:sp>
         <p:nvSpPr>
-          <p:cNvPr id="161" name="Google Shape;161;p26"/>
+          <p:cNvPr id="162" name="Google Shape;162;p26"/>
           <p:cNvSpPr txBox="1"/>
           <p:nvPr>
             <p:ph type="title"/>
@@ -8549,7 +8549,7 @@
       </p:sp>
       <p:sp>
         <p:nvSpPr>
-          <p:cNvPr id="162" name="Google Shape;162;p26"/>
+          <p:cNvPr id="163" name="Google Shape;163;p26"/>
           <p:cNvSpPr txBox="1"/>
           <p:nvPr>
             <p:ph idx="1" type="body"/>
@@ -8679,7 +8679,7 @@
       </p:sp>
       <p:sp>
         <p:nvSpPr>
-          <p:cNvPr id="163" name="Google Shape;163;p26"/>
+          <p:cNvPr id="164" name="Google Shape;164;p26"/>
           <p:cNvSpPr txBox="1"/>
           <p:nvPr/>
         </p:nvSpPr>
@@ -8729,7 +8729,7 @@
       </p:sp>
       <p:sp>
         <p:nvSpPr>
-          <p:cNvPr id="164" name="Google Shape;164;p26"/>
+          <p:cNvPr id="165" name="Google Shape;165;p26"/>
           <p:cNvSpPr txBox="1"/>
           <p:nvPr>
             <p:ph idx="12" type="sldNum"/>
@@ -8780,7 +8780,7 @@
   <p:cSld>
     <p:spTree>
       <p:nvGrpSpPr>
-        <p:cNvPr id="168" name="Shape 168"/>
+        <p:cNvPr id="169" name="Shape 169"/>
         <p:cNvGrpSpPr/>
         <p:nvPr/>
       </p:nvGrpSpPr>
@@ -8794,7 +8794,7 @@
       </p:grpSpPr>
       <p:sp>
         <p:nvSpPr>
-          <p:cNvPr id="169" name="Google Shape;169;p27"/>
+          <p:cNvPr id="170" name="Google Shape;170;p27"/>
           <p:cNvSpPr txBox="1"/>
           <p:nvPr>
             <p:ph type="title"/>
@@ -8845,7 +8845,7 @@
       </p:sp>
       <p:sp>
         <p:nvSpPr>
-          <p:cNvPr id="170" name="Google Shape;170;p27"/>
+          <p:cNvPr id="171" name="Google Shape;171;p27"/>
           <p:cNvSpPr txBox="1"/>
           <p:nvPr>
             <p:ph idx="1" type="body"/>
@@ -9142,7 +9142,7 @@
       </p:sp>
       <p:sp>
         <p:nvSpPr>
-          <p:cNvPr id="171" name="Google Shape;171;p27"/>
+          <p:cNvPr id="172" name="Google Shape;172;p27"/>
           <p:cNvSpPr txBox="1"/>
           <p:nvPr/>
         </p:nvSpPr>
@@ -9192,7 +9192,7 @@
       </p:sp>
       <p:sp>
         <p:nvSpPr>
-          <p:cNvPr id="172" name="Google Shape;172;p27"/>
+          <p:cNvPr id="173" name="Google Shape;173;p27"/>
           <p:cNvSpPr txBox="1"/>
           <p:nvPr>
             <p:ph idx="12" type="sldNum"/>
@@ -9947,7 +9947,7 @@
             <a:tbl>
               <a:tblPr>
                 <a:noFill/>
-                <a:tableStyleId>{35EB8A76-0577-4D7F-8FC7-68F53E1691FB}</a:tableStyleId>
+                <a:tableStyleId>{85EF6ADC-D944-4CFB-A20A-31DD68B88636}</a:tableStyleId>
               </a:tblPr>
               <a:tblGrid>
                 <a:gridCol w="1220350"/>
@@ -10801,6 +10801,170 @@
           </a:ln>
         </p:spPr>
       </p:pic>
+      <p:sp>
+        <p:nvSpPr>
+          <p:cNvPr id="91" name="Google Shape;91;p17"/>
+          <p:cNvSpPr txBox="1"/>
+          <p:nvPr/>
+        </p:nvSpPr>
+        <p:spPr>
+          <a:xfrm>
+            <a:off x="4699000" y="1071575"/>
+            <a:ext cx="3699000" cy="1416000"/>
+          </a:xfrm>
+          <a:prstGeom prst="rect">
+            <a:avLst/>
+          </a:prstGeom>
+          <a:noFill/>
+          <a:ln>
+            <a:noFill/>
+          </a:ln>
+        </p:spPr>
+        <p:txBody>
+          <a:bodyPr anchorCtr="0" anchor="t" bIns="91425" lIns="91425" spcFirstLastPara="1" rIns="91425" wrap="square" tIns="91425">
+            <a:spAutoFit/>
+          </a:bodyPr>
+          <a:lstStyle/>
+          <a:p>
+            <a:pPr indent="0" lvl="0" marL="0" rtl="0" algn="l">
+              <a:spcBef>
+                <a:spcPts val="0"/>
+              </a:spcBef>
+              <a:spcAft>
+                <a:spcPts val="0"/>
+              </a:spcAft>
+              <a:buNone/>
+            </a:pPr>
+            <a:r>
+              <a:rPr lang="ru" sz="1600">
+                <a:latin typeface="Times New Roman"/>
+                <a:ea typeface="Times New Roman"/>
+                <a:cs typeface="Times New Roman"/>
+                <a:sym typeface="Times New Roman"/>
+              </a:rPr>
+              <a:t>Выделено 4 типа пользователей: </a:t>
+            </a:r>
+            <a:endParaRPr sz="1600">
+              <a:latin typeface="Times New Roman"/>
+              <a:ea typeface="Times New Roman"/>
+              <a:cs typeface="Times New Roman"/>
+              <a:sym typeface="Times New Roman"/>
+            </a:endParaRPr>
+          </a:p>
+          <a:p>
+            <a:pPr indent="-330200" lvl="0" marL="457200" rtl="0" algn="l">
+              <a:spcBef>
+                <a:spcPts val="0"/>
+              </a:spcBef>
+              <a:spcAft>
+                <a:spcPts val="0"/>
+              </a:spcAft>
+              <a:buSzPts val="1600"/>
+              <a:buFont typeface="Times New Roman"/>
+              <a:buAutoNum type="arabicParenR"/>
+            </a:pPr>
+            <a:r>
+              <a:rPr lang="ru" sz="1600">
+                <a:latin typeface="Times New Roman"/>
+                <a:ea typeface="Times New Roman"/>
+                <a:cs typeface="Times New Roman"/>
+                <a:sym typeface="Times New Roman"/>
+              </a:rPr>
+              <a:t>неавторизованный пользователь,</a:t>
+            </a:r>
+            <a:endParaRPr sz="1600">
+              <a:latin typeface="Times New Roman"/>
+              <a:ea typeface="Times New Roman"/>
+              <a:cs typeface="Times New Roman"/>
+              <a:sym typeface="Times New Roman"/>
+            </a:endParaRPr>
+          </a:p>
+          <a:p>
+            <a:pPr indent="-330200" lvl="0" marL="457200" rtl="0" algn="l">
+              <a:spcBef>
+                <a:spcPts val="0"/>
+              </a:spcBef>
+              <a:spcAft>
+                <a:spcPts val="0"/>
+              </a:spcAft>
+              <a:buSzPts val="1600"/>
+              <a:buFont typeface="Times New Roman"/>
+              <a:buAutoNum type="arabicParenR"/>
+            </a:pPr>
+            <a:r>
+              <a:rPr lang="ru" sz="1600">
+                <a:latin typeface="Times New Roman"/>
+                <a:ea typeface="Times New Roman"/>
+                <a:cs typeface="Times New Roman"/>
+                <a:sym typeface="Times New Roman"/>
+              </a:rPr>
+              <a:t>авторизованный пользователь,</a:t>
+            </a:r>
+            <a:endParaRPr sz="1600">
+              <a:latin typeface="Times New Roman"/>
+              <a:ea typeface="Times New Roman"/>
+              <a:cs typeface="Times New Roman"/>
+              <a:sym typeface="Times New Roman"/>
+            </a:endParaRPr>
+          </a:p>
+          <a:p>
+            <a:pPr indent="-330200" lvl="0" marL="457200" rtl="0" algn="l">
+              <a:spcBef>
+                <a:spcPts val="0"/>
+              </a:spcBef>
+              <a:spcAft>
+                <a:spcPts val="0"/>
+              </a:spcAft>
+              <a:buSzPts val="1600"/>
+              <a:buFont typeface="Times New Roman"/>
+              <a:buAutoNum type="arabicParenR"/>
+            </a:pPr>
+            <a:r>
+              <a:rPr lang="ru" sz="1600">
+                <a:latin typeface="Times New Roman"/>
+                <a:ea typeface="Times New Roman"/>
+                <a:cs typeface="Times New Roman"/>
+                <a:sym typeface="Times New Roman"/>
+              </a:rPr>
+              <a:t>сотрудник лыжного патруля</a:t>
+            </a:r>
+            <a:endParaRPr sz="1600">
+              <a:latin typeface="Times New Roman"/>
+              <a:ea typeface="Times New Roman"/>
+              <a:cs typeface="Times New Roman"/>
+              <a:sym typeface="Times New Roman"/>
+            </a:endParaRPr>
+          </a:p>
+          <a:p>
+            <a:pPr indent="-330200" lvl="0" marL="457200" rtl="0" algn="l">
+              <a:spcBef>
+                <a:spcPts val="0"/>
+              </a:spcBef>
+              <a:spcAft>
+                <a:spcPts val="0"/>
+              </a:spcAft>
+              <a:buSzPts val="1600"/>
+              <a:buFont typeface="Times New Roman"/>
+              <a:buAutoNum type="arabicParenR"/>
+            </a:pPr>
+            <a:r>
+              <a:rPr lang="ru" sz="1600">
+                <a:latin typeface="Times New Roman"/>
+                <a:ea typeface="Times New Roman"/>
+                <a:cs typeface="Times New Roman"/>
+                <a:sym typeface="Times New Roman"/>
+              </a:rPr>
+              <a:t>администратор.</a:t>
+            </a:r>
+            <a:endParaRPr sz="1600">
+              <a:latin typeface="Times New Roman"/>
+              <a:ea typeface="Times New Roman"/>
+              <a:cs typeface="Times New Roman"/>
+              <a:sym typeface="Times New Roman"/>
+            </a:endParaRPr>
+          </a:p>
+        </p:txBody>
+      </p:sp>
     </p:spTree>
   </p:cSld>
   <p:clrMapOvr>
@@ -10814,7 +10978,7 @@
   <p:cSld>
     <p:spTree>
       <p:nvGrpSpPr>
-        <p:cNvPr id="94" name="Shape 94"/>
+        <p:cNvPr id="95" name="Shape 95"/>
         <p:cNvGrpSpPr/>
         <p:nvPr/>
       </p:nvGrpSpPr>
@@ -10828,7 +10992,7 @@
       </p:grpSpPr>
       <p:sp>
         <p:nvSpPr>
-          <p:cNvPr id="95" name="Google Shape;95;p18"/>
+          <p:cNvPr id="96" name="Google Shape;96;p18"/>
           <p:cNvSpPr txBox="1"/>
           <p:nvPr>
             <p:ph type="title"/>
@@ -10868,7 +11032,7 @@
       </p:sp>
       <p:sp>
         <p:nvSpPr>
-          <p:cNvPr id="96" name="Google Shape;96;p18"/>
+          <p:cNvPr id="97" name="Google Shape;97;p18"/>
           <p:cNvSpPr txBox="1"/>
           <p:nvPr>
             <p:ph idx="12" type="sldNum"/>
@@ -10908,7 +11072,7 @@
       </p:sp>
       <p:pic>
         <p:nvPicPr>
-          <p:cNvPr id="97" name="Google Shape;97;p18"/>
+          <p:cNvPr id="98" name="Google Shape;98;p18"/>
           <p:cNvPicPr preferRelativeResize="0"/>
           <p:nvPr/>
         </p:nvPicPr>
@@ -10936,7 +11100,7 @@
       </p:pic>
       <p:pic>
         <p:nvPicPr>
-          <p:cNvPr id="98" name="Google Shape;98;p18"/>
+          <p:cNvPr id="99" name="Google Shape;99;p18"/>
           <p:cNvPicPr preferRelativeResize="0"/>
           <p:nvPr/>
         </p:nvPicPr>
@@ -10975,7 +11139,7 @@
   <p:cSld>
     <p:spTree>
       <p:nvGrpSpPr>
-        <p:cNvPr id="102" name="Shape 102"/>
+        <p:cNvPr id="103" name="Shape 103"/>
         <p:cNvGrpSpPr/>
         <p:nvPr/>
       </p:nvGrpSpPr>
@@ -10989,7 +11153,7 @@
       </p:grpSpPr>
       <p:sp>
         <p:nvSpPr>
-          <p:cNvPr id="103" name="Google Shape;103;p19"/>
+          <p:cNvPr id="104" name="Google Shape;104;p19"/>
           <p:cNvSpPr txBox="1"/>
           <p:nvPr>
             <p:ph type="title"/>
@@ -11029,7 +11193,7 @@
       </p:sp>
       <p:graphicFrame>
         <p:nvGraphicFramePr>
-          <p:cNvPr id="104" name="Google Shape;104;p19"/>
+          <p:cNvPr id="105" name="Google Shape;105;p19"/>
           <p:cNvGraphicFramePr/>
           <p:nvPr/>
         </p:nvGraphicFramePr>
@@ -11042,7 +11206,7 @@
             <a:tbl>
               <a:tblPr>
                 <a:noFill/>
-                <a:tableStyleId>{35EB8A76-0577-4D7F-8FC7-68F53E1691FB}</a:tableStyleId>
+                <a:tableStyleId>{85EF6ADC-D944-4CFB-A20A-31DD68B88636}</a:tableStyleId>
               </a:tblPr>
               <a:tblGrid>
                 <a:gridCol w="1888275"/>
@@ -11901,7 +12065,7 @@
       </p:graphicFrame>
       <p:sp>
         <p:nvSpPr>
-          <p:cNvPr id="105" name="Google Shape;105;p19"/>
+          <p:cNvPr id="106" name="Google Shape;106;p19"/>
           <p:cNvSpPr txBox="1"/>
           <p:nvPr/>
         </p:nvSpPr>
@@ -11953,7 +12117,7 @@
       </p:sp>
       <p:sp>
         <p:nvSpPr>
-          <p:cNvPr id="106" name="Google Shape;106;p19"/>
+          <p:cNvPr id="107" name="Google Shape;107;p19"/>
           <p:cNvSpPr txBox="1"/>
           <p:nvPr>
             <p:ph idx="12" type="sldNum"/>
@@ -12004,7 +12168,7 @@
   <p:cSld>
     <p:spTree>
       <p:nvGrpSpPr>
-        <p:cNvPr id="110" name="Shape 110"/>
+        <p:cNvPr id="111" name="Shape 111"/>
         <p:cNvGrpSpPr/>
         <p:nvPr/>
       </p:nvGrpSpPr>
@@ -12018,7 +12182,7 @@
       </p:grpSpPr>
       <p:sp>
         <p:nvSpPr>
-          <p:cNvPr id="111" name="Google Shape;111;p20"/>
+          <p:cNvPr id="112" name="Google Shape;112;p20"/>
           <p:cNvSpPr txBox="1"/>
           <p:nvPr>
             <p:ph type="title"/>
@@ -12058,7 +12222,7 @@
       </p:sp>
       <p:graphicFrame>
         <p:nvGraphicFramePr>
-          <p:cNvPr id="112" name="Google Shape;112;p20"/>
+          <p:cNvPr id="113" name="Google Shape;113;p20"/>
           <p:cNvGraphicFramePr/>
           <p:nvPr/>
         </p:nvGraphicFramePr>
@@ -12071,7 +12235,7 @@
             <a:tbl>
               <a:tblPr>
                 <a:noFill/>
-                <a:tableStyleId>{35EB8A76-0577-4D7F-8FC7-68F53E1691FB}</a:tableStyleId>
+                <a:tableStyleId>{85EF6ADC-D944-4CFB-A20A-31DD68B88636}</a:tableStyleId>
               </a:tblPr>
               <a:tblGrid>
                 <a:gridCol w="1680825"/>
@@ -12465,7 +12629,7 @@
       </p:graphicFrame>
       <p:sp>
         <p:nvSpPr>
-          <p:cNvPr id="113" name="Google Shape;113;p20"/>
+          <p:cNvPr id="114" name="Google Shape;114;p20"/>
           <p:cNvSpPr txBox="1"/>
           <p:nvPr>
             <p:ph idx="12" type="sldNum"/>
@@ -12516,7 +12680,7 @@
   <p:cSld>
     <p:spTree>
       <p:nvGrpSpPr>
-        <p:cNvPr id="117" name="Shape 117"/>
+        <p:cNvPr id="118" name="Shape 118"/>
         <p:cNvGrpSpPr/>
         <p:nvPr/>
       </p:nvGrpSpPr>
@@ -12530,7 +12694,7 @@
       </p:grpSpPr>
       <p:sp>
         <p:nvSpPr>
-          <p:cNvPr id="118" name="Google Shape;118;p21"/>
+          <p:cNvPr id="119" name="Google Shape;119;p21"/>
           <p:cNvSpPr txBox="1"/>
           <p:nvPr>
             <p:ph type="title"/>
@@ -12578,7 +12742,7 @@
       </p:sp>
       <p:pic>
         <p:nvPicPr>
-          <p:cNvPr id="119" name="Google Shape;119;p21"/>
+          <p:cNvPr id="120" name="Google Shape;120;p21"/>
           <p:cNvPicPr preferRelativeResize="0"/>
           <p:nvPr/>
         </p:nvPicPr>
@@ -12606,7 +12770,7 @@
       </p:pic>
       <p:sp>
         <p:nvSpPr>
-          <p:cNvPr id="120" name="Google Shape;120;p21"/>
+          <p:cNvPr id="121" name="Google Shape;121;p21"/>
           <p:cNvSpPr txBox="1"/>
           <p:nvPr>
             <p:ph idx="12" type="sldNum"/>
@@ -12646,7 +12810,7 @@
       </p:sp>
       <p:sp>
         <p:nvSpPr>
-          <p:cNvPr id="121" name="Google Shape;121;p21"/>
+          <p:cNvPr id="122" name="Google Shape;122;p21"/>
           <p:cNvSpPr txBox="1"/>
           <p:nvPr/>
         </p:nvSpPr>
@@ -12859,6 +13023,285 @@
 </file>
 
 <file path=ppt/theme/theme1.xml><?xml version="1.0" encoding="utf-8"?>
+<a:theme xmlns:a="http://schemas.openxmlformats.org/drawingml/2006/main" xmlns:r="http://schemas.openxmlformats.org/officeDocument/2006/relationships">
+  <a:themeElements>
+    <a:clrScheme name="Default">
+      <a:dk1>
+        <a:srgbClr val="000000"/>
+      </a:dk1>
+      <a:lt1>
+        <a:srgbClr val="FFFFFF"/>
+      </a:lt1>
+      <a:dk2>
+        <a:srgbClr val="158158"/>
+      </a:dk2>
+      <a:lt2>
+        <a:srgbClr val="F3F3F3"/>
+      </a:lt2>
+      <a:accent1>
+        <a:srgbClr val="058DC7"/>
+      </a:accent1>
+      <a:accent2>
+        <a:srgbClr val="50B432"/>
+      </a:accent2>
+      <a:accent3>
+        <a:srgbClr val="ED561B"/>
+      </a:accent3>
+      <a:accent4>
+        <a:srgbClr val="EDEF00"/>
+      </a:accent4>
+      <a:accent5>
+        <a:srgbClr val="24CBE5"/>
+      </a:accent5>
+      <a:accent6>
+        <a:srgbClr val="64E572"/>
+      </a:accent6>
+      <a:hlink>
+        <a:srgbClr val="2200CC"/>
+      </a:hlink>
+      <a:folHlink>
+        <a:srgbClr val="551A8B"/>
+      </a:folHlink>
+    </a:clrScheme>
+    <a:fontScheme name="Office">
+      <a:majorFont>
+        <a:latin typeface="Arial"/>
+        <a:ea typeface=""/>
+        <a:cs typeface=""/>
+        <a:font script="Jpan" typeface="ＭＳ Ｐゴシック"/>
+        <a:font script="Hang" typeface="맑은 고딕"/>
+        <a:font script="Hans" typeface="宋体"/>
+        <a:font script="Hant" typeface="新細明體"/>
+        <a:font script="Arab" typeface="Times New Roman"/>
+        <a:font script="Hebr" typeface="Times New Roman"/>
+        <a:font script="Thai" typeface="Angsana New"/>
+        <a:font script="Ethi" typeface="Nyala"/>
+        <a:font script="Beng" typeface="Vrinda"/>
+        <a:font script="Gujr" typeface="Shruti"/>
+        <a:font script="Khmr" typeface="MoolBoran"/>
+        <a:font script="Knda" typeface="Tunga"/>
+        <a:font script="Guru" typeface="Raavi"/>
+        <a:font script="Cans" typeface="Euphemia"/>
+        <a:font script="Cher" typeface="Plantagenet Cherokee"/>
+        <a:font script="Yiii" typeface="Microsoft Yi Baiti"/>
+        <a:font script="Tibt" typeface="Microsoft Himalaya"/>
+        <a:font script="Thaa" typeface="MV Boli"/>
+        <a:font script="Deva" typeface="Mangal"/>
+        <a:font script="Telu" typeface="Gautami"/>
+        <a:font script="Taml" typeface="Latha"/>
+        <a:font script="Syrc" typeface="Estrangelo Edessa"/>
+        <a:font script="Orya" typeface="Kalinga"/>
+        <a:font script="Mlym" typeface="Kartika"/>
+        <a:font script="Laoo" typeface="DokChampa"/>
+        <a:font script="Sinh" typeface="Iskoola Pota"/>
+        <a:font script="Mong" typeface="Mongolian Baiti"/>
+        <a:font script="Viet" typeface="Times New Roman"/>
+        <a:font script="Uigh" typeface="Microsoft Uighur"/>
+        <a:font script="Geor" typeface="Sylfaen"/>
+      </a:majorFont>
+      <a:minorFont>
+        <a:latin typeface="Arial"/>
+        <a:ea typeface=""/>
+        <a:cs typeface=""/>
+        <a:font script="Jpan" typeface="ＭＳ Ｐゴシック"/>
+        <a:font script="Hang" typeface="맑은 고딕"/>
+        <a:font script="Hans" typeface="宋体"/>
+        <a:font script="Hant" typeface="新細明體"/>
+        <a:font script="Arab" typeface="Arial"/>
+        <a:font script="Hebr" typeface="Arial"/>
+        <a:font script="Thai" typeface="Cordia New"/>
+        <a:font script="Ethi" typeface="Nyala"/>
+        <a:font script="Beng" typeface="Vrinda"/>
+        <a:font script="Gujr" typeface="Shruti"/>
+        <a:font script="Khmr" typeface="DaunPenh"/>
+        <a:font script="Knda" typeface="Tunga"/>
+        <a:font script="Guru" typeface="Raavi"/>
+        <a:font script="Cans" typeface="Euphemia"/>
+        <a:font script="Cher" typeface="Plantagenet Cherokee"/>
+        <a:font script="Yiii" typeface="Microsoft Yi Baiti"/>
+        <a:font script="Tibt" typeface="Microsoft Himalaya"/>
+        <a:font script="Thaa" typeface="MV Boli"/>
+        <a:font script="Deva" typeface="Mangal"/>
+        <a:font script="Telu" typeface="Gautami"/>
+        <a:font script="Taml" typeface="Latha"/>
+        <a:font script="Syrc" typeface="Estrangelo Edessa"/>
+        <a:font script="Orya" typeface="Kalinga"/>
+        <a:font script="Mlym" typeface="Kartika"/>
+        <a:font script="Laoo" typeface="DokChampa"/>
+        <a:font script="Sinh" typeface="Iskoola Pota"/>
+        <a:font script="Mong" typeface="Mongolian Baiti"/>
+        <a:font script="Viet" typeface="Arial"/>
+        <a:font script="Uigh" typeface="Microsoft Uighur"/>
+        <a:font script="Geor" typeface="Sylfaen"/>
+      </a:minorFont>
+    </a:fontScheme>
+    <a:fmtScheme name="Office">
+      <a:fillStyleLst>
+        <a:solidFill>
+          <a:schemeClr val="phClr"/>
+        </a:solidFill>
+        <a:gradFill rotWithShape="1">
+          <a:gsLst>
+            <a:gs pos="0">
+              <a:schemeClr val="phClr">
+                <a:tint val="50000"/>
+                <a:satMod val="300000"/>
+              </a:schemeClr>
+            </a:gs>
+            <a:gs pos="35000">
+              <a:schemeClr val="phClr">
+                <a:tint val="37000"/>
+                <a:satMod val="300000"/>
+              </a:schemeClr>
+            </a:gs>
+            <a:gs pos="100000">
+              <a:schemeClr val="phClr">
+                <a:tint val="15000"/>
+                <a:satMod val="350000"/>
+              </a:schemeClr>
+            </a:gs>
+          </a:gsLst>
+          <a:lin ang="16200000" scaled="1"/>
+        </a:gradFill>
+        <a:gradFill rotWithShape="1">
+          <a:gsLst>
+            <a:gs pos="0">
+              <a:schemeClr val="phClr">
+                <a:tint val="100000"/>
+                <a:shade val="100000"/>
+                <a:satMod val="130000"/>
+              </a:schemeClr>
+            </a:gs>
+            <a:gs pos="100000">
+              <a:schemeClr val="phClr">
+                <a:tint val="50000"/>
+                <a:shade val="100000"/>
+                <a:satMod val="350000"/>
+              </a:schemeClr>
+            </a:gs>
+          </a:gsLst>
+          <a:lin ang="16200000" scaled="0"/>
+        </a:gradFill>
+      </a:fillStyleLst>
+      <a:lnStyleLst>
+        <a:ln w="9525" cap="flat" cmpd="sng" algn="ctr">
+          <a:solidFill>
+            <a:schemeClr val="phClr">
+              <a:shade val="95000"/>
+              <a:satMod val="105000"/>
+            </a:schemeClr>
+          </a:solidFill>
+          <a:prstDash val="solid"/>
+        </a:ln>
+        <a:ln w="25400" cap="flat" cmpd="sng" algn="ctr">
+          <a:solidFill>
+            <a:schemeClr val="phClr"/>
+          </a:solidFill>
+          <a:prstDash val="solid"/>
+        </a:ln>
+        <a:ln w="38100" cap="flat" cmpd="sng" algn="ctr">
+          <a:solidFill>
+            <a:schemeClr val="phClr"/>
+          </a:solidFill>
+          <a:prstDash val="solid"/>
+        </a:ln>
+      </a:lnStyleLst>
+      <a:effectStyleLst>
+        <a:effectStyle>
+          <a:effectLst>
+            <a:outerShdw blurRad="40000" dist="20000" dir="5400000" rotWithShape="0">
+              <a:srgbClr val="000000">
+                <a:alpha val="38000"/>
+              </a:srgbClr>
+            </a:outerShdw>
+          </a:effectLst>
+        </a:effectStyle>
+        <a:effectStyle>
+          <a:effectLst>
+            <a:outerShdw blurRad="40000" dist="23000" dir="5400000" rotWithShape="0">
+              <a:srgbClr val="000000">
+                <a:alpha val="35000"/>
+              </a:srgbClr>
+            </a:outerShdw>
+          </a:effectLst>
+        </a:effectStyle>
+        <a:effectStyle>
+          <a:effectLst>
+            <a:outerShdw blurRad="40000" dist="23000" dir="5400000" rotWithShape="0">
+              <a:srgbClr val="000000">
+                <a:alpha val="35000"/>
+              </a:srgbClr>
+            </a:outerShdw>
+          </a:effectLst>
+          <a:scene3d>
+            <a:camera prst="orthographicFront">
+              <a:rot lat="0" lon="0" rev="0"/>
+            </a:camera>
+            <a:lightRig rig="threePt" dir="t">
+              <a:rot lat="0" lon="0" rev="1200000"/>
+            </a:lightRig>
+          </a:scene3d>
+          <a:sp3d>
+            <a:bevelT w="63500" h="25400"/>
+          </a:sp3d>
+        </a:effectStyle>
+      </a:effectStyleLst>
+      <a:bgFillStyleLst>
+        <a:solidFill>
+          <a:schemeClr val="phClr"/>
+        </a:solidFill>
+        <a:gradFill rotWithShape="1">
+          <a:gsLst>
+            <a:gs pos="0">
+              <a:schemeClr val="phClr">
+                <a:tint val="40000"/>
+                <a:satMod val="350000"/>
+              </a:schemeClr>
+            </a:gs>
+            <a:gs pos="40000">
+              <a:schemeClr val="phClr">
+                <a:tint val="45000"/>
+                <a:shade val="99000"/>
+                <a:satMod val="350000"/>
+              </a:schemeClr>
+            </a:gs>
+            <a:gs pos="100000">
+              <a:schemeClr val="phClr">
+                <a:shade val="20000"/>
+                <a:satMod val="255000"/>
+              </a:schemeClr>
+            </a:gs>
+          </a:gsLst>
+          <a:path path="circle">
+            <a:fillToRect l="50000" t="-80000" r="50000" b="180000"/>
+          </a:path>
+        </a:gradFill>
+        <a:gradFill rotWithShape="1">
+          <a:gsLst>
+            <a:gs pos="0">
+              <a:schemeClr val="phClr">
+                <a:tint val="80000"/>
+                <a:satMod val="300000"/>
+              </a:schemeClr>
+            </a:gs>
+            <a:gs pos="100000">
+              <a:schemeClr val="phClr">
+                <a:shade val="30000"/>
+                <a:satMod val="200000"/>
+              </a:schemeClr>
+            </a:gs>
+          </a:gsLst>
+          <a:path path="circle">
+            <a:fillToRect l="50000" t="50000" r="50000" b="50000"/>
+          </a:path>
+        </a:gradFill>
+      </a:bgFillStyleLst>
+    </a:fmtScheme>
+  </a:themeElements>
+</a:theme>
+</file>
+
+<file path=ppt/theme/theme2.xml><?xml version="1.0" encoding="utf-8"?>
 <a:theme xmlns:a="http://schemas.openxmlformats.org/drawingml/2006/main" xmlns:r="http://schemas.openxmlformats.org/officeDocument/2006/relationships" name="Simple Light">
   <a:themeElements>
     <a:clrScheme name="Simple Light">
@@ -13135,283 +13578,4 @@
     </a:fmtScheme>
   </a:themeElements>
 </a:theme>
-</file>
-
-<file path=ppt/theme/theme2.xml><?xml version="1.0" encoding="utf-8"?>
-<a:theme xmlns:a="http://schemas.openxmlformats.org/drawingml/2006/main" xmlns:r="http://schemas.openxmlformats.org/officeDocument/2006/relationships">
-  <a:themeElements>
-    <a:clrScheme name="Default">
-      <a:dk1>
-        <a:srgbClr val="000000"/>
-      </a:dk1>
-      <a:lt1>
-        <a:srgbClr val="FFFFFF"/>
-      </a:lt1>
-      <a:dk2>
-        <a:srgbClr val="158158"/>
-      </a:dk2>
-      <a:lt2>
-        <a:srgbClr val="F3F3F3"/>
-      </a:lt2>
-      <a:accent1>
-        <a:srgbClr val="058DC7"/>
-      </a:accent1>
-      <a:accent2>
-        <a:srgbClr val="50B432"/>
-      </a:accent2>
-      <a:accent3>
-        <a:srgbClr val="ED561B"/>
-      </a:accent3>
-      <a:accent4>
-        <a:srgbClr val="EDEF00"/>
-      </a:accent4>
-      <a:accent5>
-        <a:srgbClr val="24CBE5"/>
-      </a:accent5>
-      <a:accent6>
-        <a:srgbClr val="64E572"/>
-      </a:accent6>
-      <a:hlink>
-        <a:srgbClr val="2200CC"/>
-      </a:hlink>
-      <a:folHlink>
-        <a:srgbClr val="551A8B"/>
-      </a:folHlink>
-    </a:clrScheme>
-    <a:fontScheme name="Office">
-      <a:majorFont>
-        <a:latin typeface="Arial"/>
-        <a:ea typeface=""/>
-        <a:cs typeface=""/>
-        <a:font script="Jpan" typeface="ＭＳ Ｐゴシック"/>
-        <a:font script="Hang" typeface="맑은 고딕"/>
-        <a:font script="Hans" typeface="宋体"/>
-        <a:font script="Hant" typeface="新細明體"/>
-        <a:font script="Arab" typeface="Times New Roman"/>
-        <a:font script="Hebr" typeface="Times New Roman"/>
-        <a:font script="Thai" typeface="Angsana New"/>
-        <a:font script="Ethi" typeface="Nyala"/>
-        <a:font script="Beng" typeface="Vrinda"/>
-        <a:font script="Gujr" typeface="Shruti"/>
-        <a:font script="Khmr" typeface="MoolBoran"/>
-        <a:font script="Knda" typeface="Tunga"/>
-        <a:font script="Guru" typeface="Raavi"/>
-        <a:font script="Cans" typeface="Euphemia"/>
-        <a:font script="Cher" typeface="Plantagenet Cherokee"/>
-        <a:font script="Yiii" typeface="Microsoft Yi Baiti"/>
-        <a:font script="Tibt" typeface="Microsoft Himalaya"/>
-        <a:font script="Thaa" typeface="MV Boli"/>
-        <a:font script="Deva" typeface="Mangal"/>
-        <a:font script="Telu" typeface="Gautami"/>
-        <a:font script="Taml" typeface="Latha"/>
-        <a:font script="Syrc" typeface="Estrangelo Edessa"/>
-        <a:font script="Orya" typeface="Kalinga"/>
-        <a:font script="Mlym" typeface="Kartika"/>
-        <a:font script="Laoo" typeface="DokChampa"/>
-        <a:font script="Sinh" typeface="Iskoola Pota"/>
-        <a:font script="Mong" typeface="Mongolian Baiti"/>
-        <a:font script="Viet" typeface="Times New Roman"/>
-        <a:font script="Uigh" typeface="Microsoft Uighur"/>
-        <a:font script="Geor" typeface="Sylfaen"/>
-      </a:majorFont>
-      <a:minorFont>
-        <a:latin typeface="Arial"/>
-        <a:ea typeface=""/>
-        <a:cs typeface=""/>
-        <a:font script="Jpan" typeface="ＭＳ Ｐゴシック"/>
-        <a:font script="Hang" typeface="맑은 고딕"/>
-        <a:font script="Hans" typeface="宋体"/>
-        <a:font script="Hant" typeface="新細明體"/>
-        <a:font script="Arab" typeface="Arial"/>
-        <a:font script="Hebr" typeface="Arial"/>
-        <a:font script="Thai" typeface="Cordia New"/>
-        <a:font script="Ethi" typeface="Nyala"/>
-        <a:font script="Beng" typeface="Vrinda"/>
-        <a:font script="Gujr" typeface="Shruti"/>
-        <a:font script="Khmr" typeface="DaunPenh"/>
-        <a:font script="Knda" typeface="Tunga"/>
-        <a:font script="Guru" typeface="Raavi"/>
-        <a:font script="Cans" typeface="Euphemia"/>
-        <a:font script="Cher" typeface="Plantagenet Cherokee"/>
-        <a:font script="Yiii" typeface="Microsoft Yi Baiti"/>
-        <a:font script="Tibt" typeface="Microsoft Himalaya"/>
-        <a:font script="Thaa" typeface="MV Boli"/>
-        <a:font script="Deva" typeface="Mangal"/>
-        <a:font script="Telu" typeface="Gautami"/>
-        <a:font script="Taml" typeface="Latha"/>
-        <a:font script="Syrc" typeface="Estrangelo Edessa"/>
-        <a:font script="Orya" typeface="Kalinga"/>
-        <a:font script="Mlym" typeface="Kartika"/>
-        <a:font script="Laoo" typeface="DokChampa"/>
-        <a:font script="Sinh" typeface="Iskoola Pota"/>
-        <a:font script="Mong" typeface="Mongolian Baiti"/>
-        <a:font script="Viet" typeface="Arial"/>
-        <a:font script="Uigh" typeface="Microsoft Uighur"/>
-        <a:font script="Geor" typeface="Sylfaen"/>
-      </a:minorFont>
-    </a:fontScheme>
-    <a:fmtScheme name="Office">
-      <a:fillStyleLst>
-        <a:solidFill>
-          <a:schemeClr val="phClr"/>
-        </a:solidFill>
-        <a:gradFill rotWithShape="1">
-          <a:gsLst>
-            <a:gs pos="0">
-              <a:schemeClr val="phClr">
-                <a:tint val="50000"/>
-                <a:satMod val="300000"/>
-              </a:schemeClr>
-            </a:gs>
-            <a:gs pos="35000">
-              <a:schemeClr val="phClr">
-                <a:tint val="37000"/>
-                <a:satMod val="300000"/>
-              </a:schemeClr>
-            </a:gs>
-            <a:gs pos="100000">
-              <a:schemeClr val="phClr">
-                <a:tint val="15000"/>
-                <a:satMod val="350000"/>
-              </a:schemeClr>
-            </a:gs>
-          </a:gsLst>
-          <a:lin ang="16200000" scaled="1"/>
-        </a:gradFill>
-        <a:gradFill rotWithShape="1">
-          <a:gsLst>
-            <a:gs pos="0">
-              <a:schemeClr val="phClr">
-                <a:tint val="100000"/>
-                <a:shade val="100000"/>
-                <a:satMod val="130000"/>
-              </a:schemeClr>
-            </a:gs>
-            <a:gs pos="100000">
-              <a:schemeClr val="phClr">
-                <a:tint val="50000"/>
-                <a:shade val="100000"/>
-                <a:satMod val="350000"/>
-              </a:schemeClr>
-            </a:gs>
-          </a:gsLst>
-          <a:lin ang="16200000" scaled="0"/>
-        </a:gradFill>
-      </a:fillStyleLst>
-      <a:lnStyleLst>
-        <a:ln w="9525" cap="flat" cmpd="sng" algn="ctr">
-          <a:solidFill>
-            <a:schemeClr val="phClr">
-              <a:shade val="95000"/>
-              <a:satMod val="105000"/>
-            </a:schemeClr>
-          </a:solidFill>
-          <a:prstDash val="solid"/>
-        </a:ln>
-        <a:ln w="25400" cap="flat" cmpd="sng" algn="ctr">
-          <a:solidFill>
-            <a:schemeClr val="phClr"/>
-          </a:solidFill>
-          <a:prstDash val="solid"/>
-        </a:ln>
-        <a:ln w="38100" cap="flat" cmpd="sng" algn="ctr">
-          <a:solidFill>
-            <a:schemeClr val="phClr"/>
-          </a:solidFill>
-          <a:prstDash val="solid"/>
-        </a:ln>
-      </a:lnStyleLst>
-      <a:effectStyleLst>
-        <a:effectStyle>
-          <a:effectLst>
-            <a:outerShdw blurRad="40000" dist="20000" dir="5400000" rotWithShape="0">
-              <a:srgbClr val="000000">
-                <a:alpha val="38000"/>
-              </a:srgbClr>
-            </a:outerShdw>
-          </a:effectLst>
-        </a:effectStyle>
-        <a:effectStyle>
-          <a:effectLst>
-            <a:outerShdw blurRad="40000" dist="23000" dir="5400000" rotWithShape="0">
-              <a:srgbClr val="000000">
-                <a:alpha val="35000"/>
-              </a:srgbClr>
-            </a:outerShdw>
-          </a:effectLst>
-        </a:effectStyle>
-        <a:effectStyle>
-          <a:effectLst>
-            <a:outerShdw blurRad="40000" dist="23000" dir="5400000" rotWithShape="0">
-              <a:srgbClr val="000000">
-                <a:alpha val="35000"/>
-              </a:srgbClr>
-            </a:outerShdw>
-          </a:effectLst>
-          <a:scene3d>
-            <a:camera prst="orthographicFront">
-              <a:rot lat="0" lon="0" rev="0"/>
-            </a:camera>
-            <a:lightRig rig="threePt" dir="t">
-              <a:rot lat="0" lon="0" rev="1200000"/>
-            </a:lightRig>
-          </a:scene3d>
-          <a:sp3d>
-            <a:bevelT w="63500" h="25400"/>
-          </a:sp3d>
-        </a:effectStyle>
-      </a:effectStyleLst>
-      <a:bgFillStyleLst>
-        <a:solidFill>
-          <a:schemeClr val="phClr"/>
-        </a:solidFill>
-        <a:gradFill rotWithShape="1">
-          <a:gsLst>
-            <a:gs pos="0">
-              <a:schemeClr val="phClr">
-                <a:tint val="40000"/>
-                <a:satMod val="350000"/>
-              </a:schemeClr>
-            </a:gs>
-            <a:gs pos="40000">
-              <a:schemeClr val="phClr">
-                <a:tint val="45000"/>
-                <a:shade val="99000"/>
-                <a:satMod val="350000"/>
-              </a:schemeClr>
-            </a:gs>
-            <a:gs pos="100000">
-              <a:schemeClr val="phClr">
-                <a:shade val="20000"/>
-                <a:satMod val="255000"/>
-              </a:schemeClr>
-            </a:gs>
-          </a:gsLst>
-          <a:path path="circle">
-            <a:fillToRect l="50000" t="-80000" r="50000" b="180000"/>
-          </a:path>
-        </a:gradFill>
-        <a:gradFill rotWithShape="1">
-          <a:gsLst>
-            <a:gs pos="0">
-              <a:schemeClr val="phClr">
-                <a:tint val="80000"/>
-                <a:satMod val="300000"/>
-              </a:schemeClr>
-            </a:gs>
-            <a:gs pos="100000">
-              <a:schemeClr val="phClr">
-                <a:shade val="30000"/>
-                <a:satMod val="200000"/>
-              </a:schemeClr>
-            </a:gs>
-          </a:gsLst>
-          <a:path path="circle">
-            <a:fillToRect l="50000" t="50000" r="50000" b="50000"/>
-          </a:path>
-        </a:gradFill>
-      </a:bgFillStyleLst>
-    </a:fmtScheme>
-  </a:themeElements>
-</a:theme>
 </file>
--- a/docs/presentation.pptx
+++ b/docs/presentation.pptx
@@ -2,27 +2,26 @@
 <file path=ppt/presentation.xml><?xml version="1.0" encoding="utf-8"?>
 <p:presentation xmlns:a="http://schemas.openxmlformats.org/drawingml/2006/main" xmlns:r="http://schemas.openxmlformats.org/officeDocument/2006/relationships" xmlns:mc="http://schemas.openxmlformats.org/markup-compatibility/2006" xmlns:mv="urn:schemas-microsoft-com:mac:vml" xmlns:p="http://schemas.openxmlformats.org/presentationml/2006/main" xmlns:c="http://schemas.openxmlformats.org/drawingml/2006/chart" xmlns:dgm="http://schemas.openxmlformats.org/drawingml/2006/diagram" xmlns:o="urn:schemas-microsoft-com:office:office" xmlns:v="urn:schemas-microsoft-com:vml" xmlns:pvml="urn:schemas-microsoft-com:office:powerpoint" xmlns:com="http://schemas.openxmlformats.org/drawingml/2006/compatibility" xmlns:p14="http://schemas.microsoft.com/office/powerpoint/2010/main" xmlns:p15="http://schemas.microsoft.com/office/powerpoint/2012/main" xmlns:ahyp="http://schemas.microsoft.com/office/drawing/2018/hyperlinkcolor" autoCompressPictures="0" strictFirstAndLastChars="0" saveSubsetFonts="1">
   <p:sldMasterIdLst>
-    <p:sldMasterId id="2147483659" r:id="rId6"/>
+    <p:sldMasterId id="2147483659" r:id="rId5"/>
   </p:sldMasterIdLst>
   <p:notesMasterIdLst>
-    <p:notesMasterId r:id="rId7"/>
+    <p:notesMasterId r:id="rId6"/>
   </p:notesMasterIdLst>
   <p:sldIdLst>
-    <p:sldId id="256" r:id="rId8"/>
-    <p:sldId id="257" r:id="rId9"/>
-    <p:sldId id="258" r:id="rId10"/>
-    <p:sldId id="259" r:id="rId11"/>
-    <p:sldId id="260" r:id="rId12"/>
-    <p:sldId id="261" r:id="rId13"/>
-    <p:sldId id="262" r:id="rId14"/>
-    <p:sldId id="263" r:id="rId15"/>
-    <p:sldId id="264" r:id="rId16"/>
-    <p:sldId id="265" r:id="rId17"/>
-    <p:sldId id="266" r:id="rId18"/>
-    <p:sldId id="267" r:id="rId19"/>
-    <p:sldId id="268" r:id="rId20"/>
-    <p:sldId id="269" r:id="rId21"/>
-    <p:sldId id="270" r:id="rId22"/>
+    <p:sldId id="256" r:id="rId7"/>
+    <p:sldId id="257" r:id="rId8"/>
+    <p:sldId id="258" r:id="rId9"/>
+    <p:sldId id="259" r:id="rId10"/>
+    <p:sldId id="260" r:id="rId11"/>
+    <p:sldId id="261" r:id="rId12"/>
+    <p:sldId id="262" r:id="rId13"/>
+    <p:sldId id="263" r:id="rId14"/>
+    <p:sldId id="264" r:id="rId15"/>
+    <p:sldId id="265" r:id="rId16"/>
+    <p:sldId id="266" r:id="rId17"/>
+    <p:sldId id="267" r:id="rId18"/>
+    <p:sldId id="268" r:id="rId19"/>
+    <p:sldId id="269" r:id="rId20"/>
   </p:sldIdLst>
   <p:sldSz cy="5143500" cx="9144000"/>
   <p:notesSz cx="6858000" cy="9144000"/>
@@ -272,21 +271,6 @@
     </p:ext>
   </p:extLst>
 </p:presentation>
-</file>
-
-<file path=ppt/commentAuthors.xml><?xml version="1.0" encoding="utf-8"?>
-<p:cmAuthorLst xmlns:a="http://schemas.openxmlformats.org/drawingml/2006/main" xmlns:r="http://schemas.openxmlformats.org/officeDocument/2006/relationships" xmlns:mc="http://schemas.openxmlformats.org/markup-compatibility/2006" xmlns:mv="urn:schemas-microsoft-com:mac:vml" xmlns:p="http://schemas.openxmlformats.org/presentationml/2006/main" xmlns:c="http://schemas.openxmlformats.org/drawingml/2006/chart" xmlns:dgm="http://schemas.openxmlformats.org/drawingml/2006/diagram" xmlns:o="urn:schemas-microsoft-com:office:office" xmlns:v="urn:schemas-microsoft-com:vml" xmlns:pvml="urn:schemas-microsoft-com:office:powerpoint" xmlns:com="http://schemas.openxmlformats.org/drawingml/2006/compatibility" xmlns:p14="http://schemas.microsoft.com/office/powerpoint/2010/main" xmlns:p15="http://schemas.microsoft.com/office/powerpoint/2012/main" xmlns:ahyp="http://schemas.microsoft.com/office/drawing/2018/hyperlinkcolor">
-  <p:cmAuthor clrIdx="0" id="0" initials="" lastIdx="1" name="Julia Gavrilova"/>
-</p:cmAuthorLst>
-</file>
-
-<file path=ppt/comments/comment1.xml><?xml version="1.0" encoding="utf-8"?>
-<p:cmLst xmlns:a="http://schemas.openxmlformats.org/drawingml/2006/main" xmlns:r="http://schemas.openxmlformats.org/officeDocument/2006/relationships" xmlns:mc="http://schemas.openxmlformats.org/markup-compatibility/2006" xmlns:mv="urn:schemas-microsoft-com:mac:vml" xmlns:p="http://schemas.openxmlformats.org/presentationml/2006/main" xmlns:c="http://schemas.openxmlformats.org/drawingml/2006/chart" xmlns:dgm="http://schemas.openxmlformats.org/drawingml/2006/diagram" xmlns:o="urn:schemas-microsoft-com:office:office" xmlns:v="urn:schemas-microsoft-com:vml" xmlns:pvml="urn:schemas-microsoft-com:office:powerpoint" xmlns:com="http://schemas.openxmlformats.org/drawingml/2006/compatibility" xmlns:p14="http://schemas.microsoft.com/office/powerpoint/2010/main" xmlns:p15="http://schemas.microsoft.com/office/powerpoint/2012/main" xmlns:ahyp="http://schemas.microsoft.com/office/drawing/2018/hyperlinkcolor">
-  <p:cm authorId="0" idx="1" dt="2022-05-25T20:32:15.202">
-    <p:pos x="6000" y="0"/>
-    <p:text>при формулировке "все поставленные задачи решены" надо обязательно перечислить все задачи с изменением глагола. А Направление дальнейшего развития вывести в отдельный слайд</p:text>
-  </p:cm>
-</p:cmLst>
 </file>
 
 <file path=ppt/notesMasters/notesMaster1.xml><?xml version="1.0" encoding="utf-8"?>
@@ -819,7 +803,7 @@
   <p:cSld>
     <p:spTree>
       <p:nvGrpSpPr>
-        <p:cNvPr id="123" name="Shape 123"/>
+        <p:cNvPr id="122" name="Shape 122"/>
         <p:cNvGrpSpPr/>
         <p:nvPr/>
       </p:nvGrpSpPr>
@@ -833,7 +817,7 @@
       </p:grpSpPr>
       <p:sp>
         <p:nvSpPr>
-          <p:cNvPr id="124" name="Google Shape;124;g12eda8b07e6_0_62:notes"/>
+          <p:cNvPr id="123" name="Google Shape;123;g12eda8b07e6_0_62:notes"/>
           <p:cNvSpPr/>
           <p:nvPr>
             <p:ph idx="2" type="sldImg"/>
@@ -868,7 +852,7 @@
       </p:sp>
       <p:sp>
         <p:nvSpPr>
-          <p:cNvPr id="125" name="Google Shape;125;g12eda8b07e6_0_62:notes"/>
+          <p:cNvPr id="124" name="Google Shape;124;g12eda8b07e6_0_62:notes"/>
           <p:cNvSpPr txBox="1"/>
           <p:nvPr>
             <p:ph idx="1" type="body"/>
@@ -1309,12 +1293,12 @@
 </p:notes>
 </file>
 
-<file path=ppt/notesSlides/notesSlide15.xml><?xml version="1.0" encoding="utf-8"?>
+<file path=ppt/notesSlides/notesSlide2.xml><?xml version="1.0" encoding="utf-8"?>
 <p:notes xmlns:a="http://schemas.openxmlformats.org/drawingml/2006/main" xmlns:r="http://schemas.openxmlformats.org/officeDocument/2006/relationships" xmlns:mc="http://schemas.openxmlformats.org/markup-compatibility/2006" xmlns:mv="urn:schemas-microsoft-com:mac:vml" xmlns:p="http://schemas.openxmlformats.org/presentationml/2006/main" xmlns:c="http://schemas.openxmlformats.org/drawingml/2006/chart" xmlns:dgm="http://schemas.openxmlformats.org/drawingml/2006/diagram" xmlns:o="urn:schemas-microsoft-com:office:office" xmlns:v="urn:schemas-microsoft-com:vml" xmlns:pvml="urn:schemas-microsoft-com:office:powerpoint" xmlns:com="http://schemas.openxmlformats.org/drawingml/2006/compatibility" xmlns:p14="http://schemas.microsoft.com/office/powerpoint/2010/main" xmlns:p15="http://schemas.microsoft.com/office/powerpoint/2012/main" xmlns:ahyp="http://schemas.microsoft.com/office/drawing/2018/hyperlinkcolor" showMasterPhAnim="0" showMasterSp="0">
   <p:cSld>
     <p:spTree>
       <p:nvGrpSpPr>
-        <p:cNvPr id="166" name="Shape 166"/>
+        <p:cNvPr id="58" name="Shape 58"/>
         <p:cNvGrpSpPr/>
         <p:nvPr/>
       </p:nvGrpSpPr>
@@ -1328,7 +1312,7 @@
       </p:grpSpPr>
       <p:sp>
         <p:nvSpPr>
-          <p:cNvPr id="167" name="Google Shape;167;g128b453db44_0_45:notes"/>
+          <p:cNvPr id="59" name="Google Shape;59;g128b453db44_0_5:notes"/>
           <p:cNvSpPr/>
           <p:nvPr>
             <p:ph idx="2" type="sldImg"/>
@@ -1363,7 +1347,7 @@
       </p:sp>
       <p:sp>
         <p:nvSpPr>
-          <p:cNvPr id="168" name="Google Shape;168;g128b453db44_0_45:notes"/>
+          <p:cNvPr id="60" name="Google Shape;60;g128b453db44_0_5:notes"/>
           <p:cNvSpPr txBox="1"/>
           <p:nvPr>
             <p:ph idx="1" type="body"/>
@@ -1408,12 +1392,12 @@
 </p:notes>
 </file>
 
-<file path=ppt/notesSlides/notesSlide2.xml><?xml version="1.0" encoding="utf-8"?>
+<file path=ppt/notesSlides/notesSlide3.xml><?xml version="1.0" encoding="utf-8"?>
 <p:notes xmlns:a="http://schemas.openxmlformats.org/drawingml/2006/main" xmlns:r="http://schemas.openxmlformats.org/officeDocument/2006/relationships" xmlns:mc="http://schemas.openxmlformats.org/markup-compatibility/2006" xmlns:mv="urn:schemas-microsoft-com:mac:vml" xmlns:p="http://schemas.openxmlformats.org/presentationml/2006/main" xmlns:c="http://schemas.openxmlformats.org/drawingml/2006/chart" xmlns:dgm="http://schemas.openxmlformats.org/drawingml/2006/diagram" xmlns:o="urn:schemas-microsoft-com:office:office" xmlns:v="urn:schemas-microsoft-com:vml" xmlns:pvml="urn:schemas-microsoft-com:office:powerpoint" xmlns:com="http://schemas.openxmlformats.org/drawingml/2006/compatibility" xmlns:p14="http://schemas.microsoft.com/office/powerpoint/2010/main" xmlns:p15="http://schemas.microsoft.com/office/powerpoint/2012/main" xmlns:ahyp="http://schemas.microsoft.com/office/drawing/2018/hyperlinkcolor" showMasterPhAnim="0" showMasterSp="0">
   <p:cSld>
     <p:spTree>
       <p:nvGrpSpPr>
-        <p:cNvPr id="59" name="Shape 59"/>
+        <p:cNvPr id="66" name="Shape 66"/>
         <p:cNvGrpSpPr/>
         <p:nvPr/>
       </p:nvGrpSpPr>
@@ -1427,7 +1411,7 @@
       </p:grpSpPr>
       <p:sp>
         <p:nvSpPr>
-          <p:cNvPr id="60" name="Google Shape;60;g128b453db44_0_5:notes"/>
+          <p:cNvPr id="67" name="Google Shape;67;g12eda8b07e6_0_16:notes"/>
           <p:cNvSpPr/>
           <p:nvPr>
             <p:ph idx="2" type="sldImg"/>
@@ -1462,7 +1446,7 @@
       </p:sp>
       <p:sp>
         <p:nvSpPr>
-          <p:cNvPr id="61" name="Google Shape;61;g128b453db44_0_5:notes"/>
+          <p:cNvPr id="68" name="Google Shape;68;g12eda8b07e6_0_16:notes"/>
           <p:cNvSpPr txBox="1"/>
           <p:nvPr>
             <p:ph idx="1" type="body"/>
@@ -1507,12 +1491,12 @@
 </p:notes>
 </file>
 
-<file path=ppt/notesSlides/notesSlide3.xml><?xml version="1.0" encoding="utf-8"?>
+<file path=ppt/notesSlides/notesSlide4.xml><?xml version="1.0" encoding="utf-8"?>
 <p:notes xmlns:a="http://schemas.openxmlformats.org/drawingml/2006/main" xmlns:r="http://schemas.openxmlformats.org/officeDocument/2006/relationships" xmlns:mc="http://schemas.openxmlformats.org/markup-compatibility/2006" xmlns:mv="urn:schemas-microsoft-com:mac:vml" xmlns:p="http://schemas.openxmlformats.org/presentationml/2006/main" xmlns:c="http://schemas.openxmlformats.org/drawingml/2006/chart" xmlns:dgm="http://schemas.openxmlformats.org/drawingml/2006/diagram" xmlns:o="urn:schemas-microsoft-com:office:office" xmlns:v="urn:schemas-microsoft-com:vml" xmlns:pvml="urn:schemas-microsoft-com:office:powerpoint" xmlns:com="http://schemas.openxmlformats.org/drawingml/2006/compatibility" xmlns:p14="http://schemas.microsoft.com/office/powerpoint/2010/main" xmlns:p15="http://schemas.microsoft.com/office/powerpoint/2012/main" xmlns:ahyp="http://schemas.microsoft.com/office/drawing/2018/hyperlinkcolor" showMasterPhAnim="0" showMasterSp="0">
   <p:cSld>
     <p:spTree>
       <p:nvGrpSpPr>
-        <p:cNvPr id="67" name="Shape 67"/>
+        <p:cNvPr id="75" name="Shape 75"/>
         <p:cNvGrpSpPr/>
         <p:nvPr/>
       </p:nvGrpSpPr>
@@ -1526,7 +1510,7 @@
       </p:grpSpPr>
       <p:sp>
         <p:nvSpPr>
-          <p:cNvPr id="68" name="Google Shape;68;g12eda8b07e6_0_16:notes"/>
+          <p:cNvPr id="76" name="Google Shape;76;g12d7e055f61_0_3:notes"/>
           <p:cNvSpPr/>
           <p:nvPr>
             <p:ph idx="2" type="sldImg"/>
@@ -1561,7 +1545,7 @@
       </p:sp>
       <p:sp>
         <p:nvSpPr>
-          <p:cNvPr id="69" name="Google Shape;69;g12eda8b07e6_0_16:notes"/>
+          <p:cNvPr id="77" name="Google Shape;77;g12d7e055f61_0_3:notes"/>
           <p:cNvSpPr txBox="1"/>
           <p:nvPr>
             <p:ph idx="1" type="body"/>
@@ -1606,12 +1590,12 @@
 </p:notes>
 </file>
 
-<file path=ppt/notesSlides/notesSlide4.xml><?xml version="1.0" encoding="utf-8"?>
+<file path=ppt/notesSlides/notesSlide5.xml><?xml version="1.0" encoding="utf-8"?>
 <p:notes xmlns:a="http://schemas.openxmlformats.org/drawingml/2006/main" xmlns:r="http://schemas.openxmlformats.org/officeDocument/2006/relationships" xmlns:mc="http://schemas.openxmlformats.org/markup-compatibility/2006" xmlns:mv="urn:schemas-microsoft-com:mac:vml" xmlns:p="http://schemas.openxmlformats.org/presentationml/2006/main" xmlns:c="http://schemas.openxmlformats.org/drawingml/2006/chart" xmlns:dgm="http://schemas.openxmlformats.org/drawingml/2006/diagram" xmlns:o="urn:schemas-microsoft-com:office:office" xmlns:v="urn:schemas-microsoft-com:vml" xmlns:pvml="urn:schemas-microsoft-com:office:powerpoint" xmlns:com="http://schemas.openxmlformats.org/drawingml/2006/compatibility" xmlns:p14="http://schemas.microsoft.com/office/powerpoint/2010/main" xmlns:p15="http://schemas.microsoft.com/office/powerpoint/2012/main" xmlns:ahyp="http://schemas.microsoft.com/office/drawing/2018/hyperlinkcolor" showMasterPhAnim="0" showMasterSp="0">
   <p:cSld>
     <p:spTree>
       <p:nvGrpSpPr>
-        <p:cNvPr id="76" name="Shape 76"/>
+        <p:cNvPr id="82" name="Shape 82"/>
         <p:cNvGrpSpPr/>
         <p:nvPr/>
       </p:nvGrpSpPr>
@@ -1625,7 +1609,7 @@
       </p:grpSpPr>
       <p:sp>
         <p:nvSpPr>
-          <p:cNvPr id="77" name="Google Shape;77;g12d7e055f61_0_3:notes"/>
+          <p:cNvPr id="83" name="Google Shape;83;g12d7e055f61_0_10:notes"/>
           <p:cNvSpPr/>
           <p:nvPr>
             <p:ph idx="2" type="sldImg"/>
@@ -1660,7 +1644,7 @@
       </p:sp>
       <p:sp>
         <p:nvSpPr>
-          <p:cNvPr id="78" name="Google Shape;78;g12d7e055f61_0_3:notes"/>
+          <p:cNvPr id="84" name="Google Shape;84;g12d7e055f61_0_10:notes"/>
           <p:cNvSpPr txBox="1"/>
           <p:nvPr>
             <p:ph idx="1" type="body"/>
@@ -1705,12 +1689,12 @@
 </p:notes>
 </file>
 
-<file path=ppt/notesSlides/notesSlide5.xml><?xml version="1.0" encoding="utf-8"?>
+<file path=ppt/notesSlides/notesSlide6.xml><?xml version="1.0" encoding="utf-8"?>
 <p:notes xmlns:a="http://schemas.openxmlformats.org/drawingml/2006/main" xmlns:r="http://schemas.openxmlformats.org/officeDocument/2006/relationships" xmlns:mc="http://schemas.openxmlformats.org/markup-compatibility/2006" xmlns:mv="urn:schemas-microsoft-com:mac:vml" xmlns:p="http://schemas.openxmlformats.org/presentationml/2006/main" xmlns:c="http://schemas.openxmlformats.org/drawingml/2006/chart" xmlns:dgm="http://schemas.openxmlformats.org/drawingml/2006/diagram" xmlns:o="urn:schemas-microsoft-com:office:office" xmlns:v="urn:schemas-microsoft-com:vml" xmlns:pvml="urn:schemas-microsoft-com:office:powerpoint" xmlns:com="http://schemas.openxmlformats.org/drawingml/2006/compatibility" xmlns:p14="http://schemas.microsoft.com/office/powerpoint/2010/main" xmlns:p15="http://schemas.microsoft.com/office/powerpoint/2012/main" xmlns:ahyp="http://schemas.microsoft.com/office/drawing/2018/hyperlinkcolor" showMasterPhAnim="0" showMasterSp="0">
   <p:cSld>
     <p:spTree>
       <p:nvGrpSpPr>
-        <p:cNvPr id="83" name="Shape 83"/>
+        <p:cNvPr id="91" name="Shape 91"/>
         <p:cNvGrpSpPr/>
         <p:nvPr/>
       </p:nvGrpSpPr>
@@ -1724,7 +1708,7 @@
       </p:grpSpPr>
       <p:sp>
         <p:nvSpPr>
-          <p:cNvPr id="84" name="Google Shape;84;g12d7e055f61_0_10:notes"/>
+          <p:cNvPr id="92" name="Google Shape;92;g12eda8b07e6_0_47:notes"/>
           <p:cNvSpPr/>
           <p:nvPr>
             <p:ph idx="2" type="sldImg"/>
@@ -1759,7 +1743,7 @@
       </p:sp>
       <p:sp>
         <p:nvSpPr>
-          <p:cNvPr id="85" name="Google Shape;85;g12d7e055f61_0_10:notes"/>
+          <p:cNvPr id="93" name="Google Shape;93;g12eda8b07e6_0_47:notes"/>
           <p:cNvSpPr txBox="1"/>
           <p:nvPr>
             <p:ph idx="1" type="body"/>
@@ -1804,12 +1788,12 @@
 </p:notes>
 </file>
 
-<file path=ppt/notesSlides/notesSlide6.xml><?xml version="1.0" encoding="utf-8"?>
+<file path=ppt/notesSlides/notesSlide7.xml><?xml version="1.0" encoding="utf-8"?>
 <p:notes xmlns:a="http://schemas.openxmlformats.org/drawingml/2006/main" xmlns:r="http://schemas.openxmlformats.org/officeDocument/2006/relationships" xmlns:mc="http://schemas.openxmlformats.org/markup-compatibility/2006" xmlns:mv="urn:schemas-microsoft-com:mac:vml" xmlns:p="http://schemas.openxmlformats.org/presentationml/2006/main" xmlns:c="http://schemas.openxmlformats.org/drawingml/2006/chart" xmlns:dgm="http://schemas.openxmlformats.org/drawingml/2006/diagram" xmlns:o="urn:schemas-microsoft-com:office:office" xmlns:v="urn:schemas-microsoft-com:vml" xmlns:pvml="urn:schemas-microsoft-com:office:powerpoint" xmlns:com="http://schemas.openxmlformats.org/drawingml/2006/compatibility" xmlns:p14="http://schemas.microsoft.com/office/powerpoint/2010/main" xmlns:p15="http://schemas.microsoft.com/office/powerpoint/2012/main" xmlns:ahyp="http://schemas.microsoft.com/office/drawing/2018/hyperlinkcolor" showMasterPhAnim="0" showMasterSp="0">
   <p:cSld>
     <p:spTree>
       <p:nvGrpSpPr>
-        <p:cNvPr id="92" name="Shape 92"/>
+        <p:cNvPr id="99" name="Shape 99"/>
         <p:cNvGrpSpPr/>
         <p:nvPr/>
       </p:nvGrpSpPr>
@@ -1823,7 +1807,7 @@
       </p:grpSpPr>
       <p:sp>
         <p:nvSpPr>
-          <p:cNvPr id="93" name="Google Shape;93;g12eda8b07e6_0_47:notes"/>
+          <p:cNvPr id="100" name="Google Shape;100;g12eda8b07e6_0_68:notes"/>
           <p:cNvSpPr/>
           <p:nvPr>
             <p:ph idx="2" type="sldImg"/>
@@ -1858,7 +1842,7 @@
       </p:sp>
       <p:sp>
         <p:nvSpPr>
-          <p:cNvPr id="94" name="Google Shape;94;g12eda8b07e6_0_47:notes"/>
+          <p:cNvPr id="101" name="Google Shape;101;g12eda8b07e6_0_68:notes"/>
           <p:cNvSpPr txBox="1"/>
           <p:nvPr>
             <p:ph idx="1" type="body"/>
@@ -1903,12 +1887,12 @@
 </p:notes>
 </file>
 
-<file path=ppt/notesSlides/notesSlide7.xml><?xml version="1.0" encoding="utf-8"?>
+<file path=ppt/notesSlides/notesSlide8.xml><?xml version="1.0" encoding="utf-8"?>
 <p:notes xmlns:a="http://schemas.openxmlformats.org/drawingml/2006/main" xmlns:r="http://schemas.openxmlformats.org/officeDocument/2006/relationships" xmlns:mc="http://schemas.openxmlformats.org/markup-compatibility/2006" xmlns:mv="urn:schemas-microsoft-com:mac:vml" xmlns:p="http://schemas.openxmlformats.org/presentationml/2006/main" xmlns:c="http://schemas.openxmlformats.org/drawingml/2006/chart" xmlns:dgm="http://schemas.openxmlformats.org/drawingml/2006/diagram" xmlns:o="urn:schemas-microsoft-com:office:office" xmlns:v="urn:schemas-microsoft-com:vml" xmlns:pvml="urn:schemas-microsoft-com:office:powerpoint" xmlns:com="http://schemas.openxmlformats.org/drawingml/2006/compatibility" xmlns:p14="http://schemas.microsoft.com/office/powerpoint/2010/main" xmlns:p15="http://schemas.microsoft.com/office/powerpoint/2012/main" xmlns:ahyp="http://schemas.microsoft.com/office/drawing/2018/hyperlinkcolor" showMasterPhAnim="0" showMasterSp="0">
   <p:cSld>
     <p:spTree>
       <p:nvGrpSpPr>
-        <p:cNvPr id="100" name="Shape 100"/>
+        <p:cNvPr id="107" name="Shape 107"/>
         <p:cNvGrpSpPr/>
         <p:nvPr/>
       </p:nvGrpSpPr>
@@ -1922,7 +1906,7 @@
       </p:grpSpPr>
       <p:sp>
         <p:nvSpPr>
-          <p:cNvPr id="101" name="Google Shape;101;g12eda8b07e6_0_68:notes"/>
+          <p:cNvPr id="108" name="Google Shape;108;g12d7e055f61_0_74:notes"/>
           <p:cNvSpPr/>
           <p:nvPr>
             <p:ph idx="2" type="sldImg"/>
@@ -1957,7 +1941,7 @@
       </p:sp>
       <p:sp>
         <p:nvSpPr>
-          <p:cNvPr id="102" name="Google Shape;102;g12eda8b07e6_0_68:notes"/>
+          <p:cNvPr id="109" name="Google Shape;109;g12d7e055f61_0_74:notes"/>
           <p:cNvSpPr txBox="1"/>
           <p:nvPr>
             <p:ph idx="1" type="body"/>
@@ -2002,12 +1986,12 @@
 </p:notes>
 </file>
 
-<file path=ppt/notesSlides/notesSlide8.xml><?xml version="1.0" encoding="utf-8"?>
+<file path=ppt/notesSlides/notesSlide9.xml><?xml version="1.0" encoding="utf-8"?>
 <p:notes xmlns:a="http://schemas.openxmlformats.org/drawingml/2006/main" xmlns:r="http://schemas.openxmlformats.org/officeDocument/2006/relationships" xmlns:mc="http://schemas.openxmlformats.org/markup-compatibility/2006" xmlns:mv="urn:schemas-microsoft-com:mac:vml" xmlns:p="http://schemas.openxmlformats.org/presentationml/2006/main" xmlns:c="http://schemas.openxmlformats.org/drawingml/2006/chart" xmlns:dgm="http://schemas.openxmlformats.org/drawingml/2006/diagram" xmlns:o="urn:schemas-microsoft-com:office:office" xmlns:v="urn:schemas-microsoft-com:vml" xmlns:pvml="urn:schemas-microsoft-com:office:powerpoint" xmlns:com="http://schemas.openxmlformats.org/drawingml/2006/compatibility" xmlns:p14="http://schemas.microsoft.com/office/powerpoint/2010/main" xmlns:p15="http://schemas.microsoft.com/office/powerpoint/2012/main" xmlns:ahyp="http://schemas.microsoft.com/office/drawing/2018/hyperlinkcolor" showMasterPhAnim="0" showMasterSp="0">
   <p:cSld>
     <p:spTree>
       <p:nvGrpSpPr>
-        <p:cNvPr id="108" name="Shape 108"/>
+        <p:cNvPr id="114" name="Shape 114"/>
         <p:cNvGrpSpPr/>
         <p:nvPr/>
       </p:nvGrpSpPr>
@@ -2021,7 +2005,7 @@
       </p:grpSpPr>
       <p:sp>
         <p:nvSpPr>
-          <p:cNvPr id="109" name="Google Shape;109;g12d7e055f61_0_74:notes"/>
+          <p:cNvPr id="115" name="Google Shape;115;g12d7e055f61_0_33:notes"/>
           <p:cNvSpPr/>
           <p:nvPr>
             <p:ph idx="2" type="sldImg"/>
@@ -2056,106 +2040,7 @@
       </p:sp>
       <p:sp>
         <p:nvSpPr>
-          <p:cNvPr id="110" name="Google Shape;110;g12d7e055f61_0_74:notes"/>
-          <p:cNvSpPr txBox="1"/>
-          <p:nvPr>
-            <p:ph idx="1" type="body"/>
-          </p:nvPr>
-        </p:nvSpPr>
-        <p:spPr>
-          <a:xfrm>
-            <a:off x="685800" y="4343400"/>
-            <a:ext cx="5486400" cy="4114800"/>
-          </a:xfrm>
-          <a:prstGeom prst="rect">
-            <a:avLst/>
-          </a:prstGeom>
-        </p:spPr>
-        <p:txBody>
-          <a:bodyPr anchorCtr="0" anchor="t" bIns="91425" lIns="91425" spcFirstLastPara="1" rIns="91425" wrap="square" tIns="91425">
-            <a:noAutofit/>
-          </a:bodyPr>
-          <a:lstStyle/>
-          <a:p>
-            <a:pPr indent="0" lvl="0" marL="0" rtl="0" algn="l">
-              <a:spcBef>
-                <a:spcPts val="0"/>
-              </a:spcBef>
-              <a:spcAft>
-                <a:spcPts val="0"/>
-              </a:spcAft>
-              <a:buNone/>
-            </a:pPr>
-            <a:r>
-              <a:t/>
-            </a:r>
-            <a:endParaRPr/>
-          </a:p>
-        </p:txBody>
-      </p:sp>
-    </p:spTree>
-  </p:cSld>
-  <p:clrMapOvr>
-    <a:masterClrMapping/>
-  </p:clrMapOvr>
-</p:notes>
-</file>
-
-<file path=ppt/notesSlides/notesSlide9.xml><?xml version="1.0" encoding="utf-8"?>
-<p:notes xmlns:a="http://schemas.openxmlformats.org/drawingml/2006/main" xmlns:r="http://schemas.openxmlformats.org/officeDocument/2006/relationships" xmlns:mc="http://schemas.openxmlformats.org/markup-compatibility/2006" xmlns:mv="urn:schemas-microsoft-com:mac:vml" xmlns:p="http://schemas.openxmlformats.org/presentationml/2006/main" xmlns:c="http://schemas.openxmlformats.org/drawingml/2006/chart" xmlns:dgm="http://schemas.openxmlformats.org/drawingml/2006/diagram" xmlns:o="urn:schemas-microsoft-com:office:office" xmlns:v="urn:schemas-microsoft-com:vml" xmlns:pvml="urn:schemas-microsoft-com:office:powerpoint" xmlns:com="http://schemas.openxmlformats.org/drawingml/2006/compatibility" xmlns:p14="http://schemas.microsoft.com/office/powerpoint/2010/main" xmlns:p15="http://schemas.microsoft.com/office/powerpoint/2012/main" xmlns:ahyp="http://schemas.microsoft.com/office/drawing/2018/hyperlinkcolor" showMasterPhAnim="0" showMasterSp="0">
-  <p:cSld>
-    <p:spTree>
-      <p:nvGrpSpPr>
-        <p:cNvPr id="115" name="Shape 115"/>
-        <p:cNvGrpSpPr/>
-        <p:nvPr/>
-      </p:nvGrpSpPr>
-      <p:grpSpPr>
-        <a:xfrm>
-          <a:off x="0" y="0"/>
-          <a:ext cx="0" cy="0"/>
-          <a:chOff x="0" y="0"/>
-          <a:chExt cx="0" cy="0"/>
-        </a:xfrm>
-      </p:grpSpPr>
-      <p:sp>
-        <p:nvSpPr>
           <p:cNvPr id="116" name="Google Shape;116;g12d7e055f61_0_33:notes"/>
-          <p:cNvSpPr/>
-          <p:nvPr>
-            <p:ph idx="2" type="sldImg"/>
-          </p:nvPr>
-        </p:nvSpPr>
-        <p:spPr>
-          <a:xfrm>
-            <a:off x="381300" y="685800"/>
-            <a:ext cx="6096000" cy="3429000"/>
-          </a:xfrm>
-          <a:custGeom>
-            <a:rect b="b" l="l" r="r" t="t"/>
-            <a:pathLst>
-              <a:path extrusionOk="0" h="120000" w="120000">
-                <a:moveTo>
-                  <a:pt x="0" y="0"/>
-                </a:moveTo>
-                <a:lnTo>
-                  <a:pt x="120000" y="0"/>
-                </a:lnTo>
-                <a:lnTo>
-                  <a:pt x="120000" y="120000"/>
-                </a:lnTo>
-                <a:lnTo>
-                  <a:pt x="0" y="120000"/>
-                </a:lnTo>
-                <a:close/>
-              </a:path>
-            </a:pathLst>
-          </a:custGeom>
-        </p:spPr>
-      </p:sp>
-      <p:sp>
-        <p:nvSpPr>
-          <p:cNvPr id="117" name="Google Shape;117;g12d7e055f61_0_33:notes"/>
           <p:cNvSpPr txBox="1"/>
           <p:nvPr>
             <p:ph idx="1" type="body"/>
@@ -7209,9 +7094,102 @@
           </a:ln>
         </p:spPr>
       </p:pic>
+    </p:spTree>
+  </p:cSld>
+  <p:clrMapOvr>
+    <a:masterClrMapping/>
+  </p:clrMapOvr>
+</p:sld>
+</file>
+
+<file path=ppt/slides/slide10.xml><?xml version="1.0" encoding="utf-8"?>
+<p:sld xmlns:a="http://schemas.openxmlformats.org/drawingml/2006/main" xmlns:r="http://schemas.openxmlformats.org/officeDocument/2006/relationships" xmlns:mc="http://schemas.openxmlformats.org/markup-compatibility/2006" xmlns:mv="urn:schemas-microsoft-com:mac:vml" xmlns:p="http://schemas.openxmlformats.org/presentationml/2006/main" xmlns:c="http://schemas.openxmlformats.org/drawingml/2006/chart" xmlns:dgm="http://schemas.openxmlformats.org/drawingml/2006/diagram" xmlns:o="urn:schemas-microsoft-com:office:office" xmlns:v="urn:schemas-microsoft-com:vml" xmlns:pvml="urn:schemas-microsoft-com:office:powerpoint" xmlns:com="http://schemas.openxmlformats.org/drawingml/2006/compatibility" xmlns:p14="http://schemas.microsoft.com/office/powerpoint/2010/main" xmlns:p15="http://schemas.microsoft.com/office/powerpoint/2012/main" xmlns:ahyp="http://schemas.microsoft.com/office/drawing/2018/hyperlinkcolor">
+  <p:cSld>
+    <p:spTree>
+      <p:nvGrpSpPr>
+        <p:cNvPr id="125" name="Shape 125"/>
+        <p:cNvGrpSpPr/>
+        <p:nvPr/>
+      </p:nvGrpSpPr>
+      <p:grpSpPr>
+        <a:xfrm>
+          <a:off x="0" y="0"/>
+          <a:ext cx="0" cy="0"/>
+          <a:chOff x="0" y="0"/>
+          <a:chExt cx="0" cy="0"/>
+        </a:xfrm>
+      </p:grpSpPr>
       <p:sp>
         <p:nvSpPr>
-          <p:cNvPr id="58" name="Google Shape;58;p13"/>
+          <p:cNvPr id="126" name="Google Shape;126;p22"/>
+          <p:cNvSpPr txBox="1"/>
+          <p:nvPr>
+            <p:ph type="title"/>
+          </p:nvPr>
+        </p:nvSpPr>
+        <p:spPr>
+          <a:xfrm>
+            <a:off x="165125" y="347325"/>
+            <a:ext cx="3816000" cy="572700"/>
+          </a:xfrm>
+          <a:prstGeom prst="rect">
+            <a:avLst/>
+          </a:prstGeom>
+        </p:spPr>
+        <p:txBody>
+          <a:bodyPr anchorCtr="0" anchor="t" bIns="91425" lIns="91425" spcFirstLastPara="1" rIns="91425" wrap="square" tIns="91425">
+            <a:normAutofit fontScale="90000"/>
+          </a:bodyPr>
+          <a:lstStyle/>
+          <a:p>
+            <a:pPr indent="0" lvl="0" marL="0" rtl="0" algn="l">
+              <a:spcBef>
+                <a:spcPts val="0"/>
+              </a:spcBef>
+              <a:spcAft>
+                <a:spcPts val="0"/>
+              </a:spcAft>
+              <a:buClr>
+                <a:schemeClr val="dk1"/>
+              </a:buClr>
+              <a:buSzPct val="39285"/>
+              <a:buFont typeface="Arial"/>
+              <a:buNone/>
+            </a:pPr>
+            <a:r>
+              <a:rPr b="1" lang="ru"/>
+              <a:t>Алгоритм расчета времени в очереди на </a:t>
+            </a:r>
+            <a:r>
+              <a:rPr b="1" lang="ru"/>
+              <a:t>п</a:t>
+            </a:r>
+            <a:r>
+              <a:rPr b="1" lang="ru"/>
+              <a:t>одъемник</a:t>
+            </a:r>
+            <a:endParaRPr b="1"/>
+          </a:p>
+          <a:p>
+            <a:pPr indent="0" lvl="0" marL="0" rtl="0" algn="l">
+              <a:spcBef>
+                <a:spcPts val="0"/>
+              </a:spcBef>
+              <a:spcAft>
+                <a:spcPts val="0"/>
+              </a:spcAft>
+              <a:buNone/>
+            </a:pPr>
+            <a:r>
+              <a:t/>
+            </a:r>
+            <a:endParaRPr b="1"/>
+          </a:p>
+        </p:txBody>
+      </p:sp>
+      <p:sp>
+        <p:nvSpPr>
+          <p:cNvPr id="127" name="Google Shape;127;p22"/>
           <p:cNvSpPr txBox="1"/>
           <p:nvPr>
             <p:ph idx="12" type="sldNum"/>
@@ -7249,142 +7227,9 @@
           </a:p>
         </p:txBody>
       </p:sp>
-    </p:spTree>
-  </p:cSld>
-  <p:clrMapOvr>
-    <a:masterClrMapping/>
-  </p:clrMapOvr>
-</p:sld>
-</file>
-
-<file path=ppt/slides/slide10.xml><?xml version="1.0" encoding="utf-8"?>
-<p:sld xmlns:a="http://schemas.openxmlformats.org/drawingml/2006/main" xmlns:r="http://schemas.openxmlformats.org/officeDocument/2006/relationships" xmlns:mc="http://schemas.openxmlformats.org/markup-compatibility/2006" xmlns:mv="urn:schemas-microsoft-com:mac:vml" xmlns:p="http://schemas.openxmlformats.org/presentationml/2006/main" xmlns:c="http://schemas.openxmlformats.org/drawingml/2006/chart" xmlns:dgm="http://schemas.openxmlformats.org/drawingml/2006/diagram" xmlns:o="urn:schemas-microsoft-com:office:office" xmlns:v="urn:schemas-microsoft-com:vml" xmlns:pvml="urn:schemas-microsoft-com:office:powerpoint" xmlns:com="http://schemas.openxmlformats.org/drawingml/2006/compatibility" xmlns:p14="http://schemas.microsoft.com/office/powerpoint/2010/main" xmlns:p15="http://schemas.microsoft.com/office/powerpoint/2012/main" xmlns:ahyp="http://schemas.microsoft.com/office/drawing/2018/hyperlinkcolor">
-  <p:cSld>
-    <p:spTree>
-      <p:nvGrpSpPr>
-        <p:cNvPr id="126" name="Shape 126"/>
-        <p:cNvGrpSpPr/>
-        <p:nvPr/>
-      </p:nvGrpSpPr>
-      <p:grpSpPr>
-        <a:xfrm>
-          <a:off x="0" y="0"/>
-          <a:ext cx="0" cy="0"/>
-          <a:chOff x="0" y="0"/>
-          <a:chExt cx="0" cy="0"/>
-        </a:xfrm>
-      </p:grpSpPr>
-      <p:sp>
-        <p:nvSpPr>
-          <p:cNvPr id="127" name="Google Shape;127;p22"/>
-          <p:cNvSpPr txBox="1"/>
-          <p:nvPr>
-            <p:ph type="title"/>
-          </p:nvPr>
-        </p:nvSpPr>
-        <p:spPr>
-          <a:xfrm>
-            <a:off x="165125" y="347325"/>
-            <a:ext cx="3816000" cy="572700"/>
-          </a:xfrm>
-          <a:prstGeom prst="rect">
-            <a:avLst/>
-          </a:prstGeom>
-        </p:spPr>
-        <p:txBody>
-          <a:bodyPr anchorCtr="0" anchor="t" bIns="91425" lIns="91425" spcFirstLastPara="1" rIns="91425" wrap="square" tIns="91425">
-            <a:normAutofit fontScale="90000"/>
-          </a:bodyPr>
-          <a:lstStyle/>
-          <a:p>
-            <a:pPr indent="0" lvl="0" marL="0" rtl="0" algn="l">
-              <a:spcBef>
-                <a:spcPts val="0"/>
-              </a:spcBef>
-              <a:spcAft>
-                <a:spcPts val="0"/>
-              </a:spcAft>
-              <a:buClr>
-                <a:schemeClr val="dk1"/>
-              </a:buClr>
-              <a:buSzPct val="39285"/>
-              <a:buFont typeface="Arial"/>
-              <a:buNone/>
-            </a:pPr>
-            <a:r>
-              <a:rPr b="1" lang="ru"/>
-              <a:t>Алгоритм расчета времени в очереди на </a:t>
-            </a:r>
-            <a:r>
-              <a:rPr b="1" lang="ru"/>
-              <a:t>п</a:t>
-            </a:r>
-            <a:r>
-              <a:rPr b="1" lang="ru"/>
-              <a:t>одъемник</a:t>
-            </a:r>
-            <a:endParaRPr b="1"/>
-          </a:p>
-          <a:p>
-            <a:pPr indent="0" lvl="0" marL="0" rtl="0" algn="l">
-              <a:spcBef>
-                <a:spcPts val="0"/>
-              </a:spcBef>
-              <a:spcAft>
-                <a:spcPts val="0"/>
-              </a:spcAft>
-              <a:buNone/>
-            </a:pPr>
-            <a:r>
-              <a:t/>
-            </a:r>
-            <a:endParaRPr b="1"/>
-          </a:p>
-        </p:txBody>
-      </p:sp>
-      <p:sp>
-        <p:nvSpPr>
-          <p:cNvPr id="128" name="Google Shape;128;p22"/>
-          <p:cNvSpPr txBox="1"/>
-          <p:nvPr>
-            <p:ph idx="12" type="sldNum"/>
-          </p:nvPr>
-        </p:nvSpPr>
-        <p:spPr>
-          <a:xfrm>
-            <a:off x="8472458" y="4663217"/>
-            <a:ext cx="548700" cy="393600"/>
-          </a:xfrm>
-          <a:prstGeom prst="rect">
-            <a:avLst/>
-          </a:prstGeom>
-        </p:spPr>
-        <p:txBody>
-          <a:bodyPr anchorCtr="0" anchor="ctr" bIns="91425" lIns="91425" spcFirstLastPara="1" rIns="91425" wrap="square" tIns="91425">
-            <a:normAutofit/>
-          </a:bodyPr>
-          <a:lstStyle/>
-          <a:p>
-            <a:pPr indent="0" lvl="0" marL="0" rtl="0" algn="r">
-              <a:spcBef>
-                <a:spcPts val="0"/>
-              </a:spcBef>
-              <a:spcAft>
-                <a:spcPts val="0"/>
-              </a:spcAft>
-              <a:buNone/>
-            </a:pPr>
-            <a:fld id="{00000000-1234-1234-1234-123412341234}" type="slidenum">
-              <a:rPr lang="ru"/>
-              <a:t>‹#›</a:t>
-            </a:fld>
-            <a:endParaRPr/>
-          </a:p>
-        </p:txBody>
-      </p:sp>
       <p:pic>
         <p:nvPicPr>
-          <p:cNvPr id="129" name="Google Shape;129;p22"/>
+          <p:cNvPr id="128" name="Google Shape;128;p22"/>
           <p:cNvPicPr preferRelativeResize="0"/>
           <p:nvPr/>
         </p:nvPicPr>
@@ -7398,8 +7243,8 @@
         </p:blipFill>
         <p:spPr>
           <a:xfrm>
-            <a:off x="3981125" y="231700"/>
-            <a:ext cx="4893300" cy="4552699"/>
+            <a:off x="3887675" y="368672"/>
+            <a:ext cx="4735826" cy="4406176"/>
           </a:xfrm>
           <a:prstGeom prst="rect">
             <a:avLst/>
@@ -7410,6 +7255,100 @@
           </a:ln>
         </p:spPr>
       </p:pic>
+      <p:sp>
+        <p:nvSpPr>
+          <p:cNvPr id="129" name="Google Shape;129;p22"/>
+          <p:cNvSpPr txBox="1"/>
+          <p:nvPr/>
+        </p:nvSpPr>
+        <p:spPr>
+          <a:xfrm>
+            <a:off x="79500" y="2156100"/>
+            <a:ext cx="3000000" cy="1662300"/>
+          </a:xfrm>
+          <a:prstGeom prst="rect">
+            <a:avLst/>
+          </a:prstGeom>
+          <a:noFill/>
+          <a:ln>
+            <a:noFill/>
+          </a:ln>
+        </p:spPr>
+        <p:txBody>
+          <a:bodyPr anchorCtr="0" anchor="t" bIns="91425" lIns="91425" spcFirstLastPara="1" rIns="91425" wrap="square" tIns="91425">
+            <a:spAutoFit/>
+          </a:bodyPr>
+          <a:lstStyle/>
+          <a:p>
+            <a:pPr indent="0" lvl="0" marL="0" rtl="0" algn="l">
+              <a:spcBef>
+                <a:spcPts val="0"/>
+              </a:spcBef>
+              <a:spcAft>
+                <a:spcPts val="0"/>
+              </a:spcAft>
+              <a:buNone/>
+            </a:pPr>
+            <a:r>
+              <a:rPr lang="ru" sz="1600">
+                <a:solidFill>
+                  <a:schemeClr val="dk1"/>
+                </a:solidFill>
+                <a:highlight>
+                  <a:schemeClr val="lt1"/>
+                </a:highlight>
+                <a:latin typeface="Times New Roman"/>
+                <a:ea typeface="Times New Roman"/>
+                <a:cs typeface="Times New Roman"/>
+                <a:sym typeface="Times New Roman"/>
+              </a:rPr>
+              <a:t>Время в очереди = max(предыдущее время в очереди - прошедшее время + (количество считываний</a:t>
+            </a:r>
+            <a:r>
+              <a:rPr lang="ru" sz="1600">
+                <a:solidFill>
+                  <a:schemeClr val="dk1"/>
+                </a:solidFill>
+                <a:highlight>
+                  <a:schemeClr val="lt1"/>
+                </a:highlight>
+                <a:latin typeface="Times New Roman"/>
+                <a:ea typeface="Times New Roman"/>
+                <a:cs typeface="Times New Roman"/>
+                <a:sym typeface="Times New Roman"/>
+              </a:rPr>
+              <a:t> </a:t>
+            </a:r>
+            <a:r>
+              <a:rPr lang="ru" sz="1600">
+                <a:solidFill>
+                  <a:schemeClr val="dk1"/>
+                </a:solidFill>
+                <a:highlight>
+                  <a:schemeClr val="lt1"/>
+                </a:highlight>
+                <a:latin typeface="Times New Roman"/>
+                <a:ea typeface="Times New Roman"/>
+                <a:cs typeface="Times New Roman"/>
+                <a:sym typeface="Times New Roman"/>
+              </a:rPr>
+              <a:t>* время подъема * 2 / количество мест), 0)</a:t>
+            </a:r>
+            <a:endParaRPr sz="1600">
+              <a:solidFill>
+                <a:schemeClr val="dk1"/>
+              </a:solidFill>
+              <a:highlight>
+                <a:schemeClr val="lt1"/>
+              </a:highlight>
+              <a:latin typeface="Times New Roman"/>
+              <a:ea typeface="Times New Roman"/>
+              <a:cs typeface="Times New Roman"/>
+              <a:sym typeface="Times New Roman"/>
+            </a:endParaRPr>
+          </a:p>
+        </p:txBody>
+      </p:sp>
     </p:spTree>
   </p:cSld>
   <p:clrMapOvr>
@@ -8775,12 +8714,12 @@
 </p:sld>
 </file>
 
-<file path=ppt/slides/slide15.xml><?xml version="1.0" encoding="utf-8"?>
+<file path=ppt/slides/slide2.xml><?xml version="1.0" encoding="utf-8"?>
 <p:sld xmlns:a="http://schemas.openxmlformats.org/drawingml/2006/main" xmlns:r="http://schemas.openxmlformats.org/officeDocument/2006/relationships" xmlns:mc="http://schemas.openxmlformats.org/markup-compatibility/2006" xmlns:mv="urn:schemas-microsoft-com:mac:vml" xmlns:p="http://schemas.openxmlformats.org/presentationml/2006/main" xmlns:c="http://schemas.openxmlformats.org/drawingml/2006/chart" xmlns:dgm="http://schemas.openxmlformats.org/drawingml/2006/diagram" xmlns:o="urn:schemas-microsoft-com:office:office" xmlns:v="urn:schemas-microsoft-com:vml" xmlns:pvml="urn:schemas-microsoft-com:office:powerpoint" xmlns:com="http://schemas.openxmlformats.org/drawingml/2006/compatibility" xmlns:p14="http://schemas.microsoft.com/office/powerpoint/2010/main" xmlns:p15="http://schemas.microsoft.com/office/powerpoint/2012/main" xmlns:ahyp="http://schemas.microsoft.com/office/drawing/2018/hyperlinkcolor">
   <p:cSld>
     <p:spTree>
       <p:nvGrpSpPr>
-        <p:cNvPr id="169" name="Shape 169"/>
+        <p:cNvPr id="61" name="Shape 61"/>
         <p:cNvGrpSpPr/>
         <p:nvPr/>
       </p:nvGrpSpPr>
@@ -8794,470 +8733,7 @@
       </p:grpSpPr>
       <p:sp>
         <p:nvSpPr>
-          <p:cNvPr id="170" name="Google Shape;170;p27"/>
-          <p:cNvSpPr txBox="1"/>
-          <p:nvPr>
-            <p:ph type="title"/>
-          </p:nvPr>
-        </p:nvSpPr>
-        <p:spPr>
-          <a:xfrm>
-            <a:off x="339800" y="407875"/>
-            <a:ext cx="8520600" cy="572700"/>
-          </a:xfrm>
-          <a:prstGeom prst="rect">
-            <a:avLst/>
-          </a:prstGeom>
-        </p:spPr>
-        <p:txBody>
-          <a:bodyPr anchorCtr="0" anchor="t" bIns="91425" lIns="91425" spcFirstLastPara="1" rIns="91425" wrap="square" tIns="91425">
-            <a:noAutofit/>
-          </a:bodyPr>
-          <a:lstStyle/>
-          <a:p>
-            <a:pPr indent="0" lvl="0" marL="0" rtl="0" algn="l">
-              <a:spcBef>
-                <a:spcPts val="0"/>
-              </a:spcBef>
-              <a:spcAft>
-                <a:spcPts val="0"/>
-              </a:spcAft>
-              <a:buSzPts val="990"/>
-              <a:buNone/>
-            </a:pPr>
-            <a:r>
-              <a:rPr b="1" lang="ru" sz="2820">
-                <a:latin typeface="Times New Roman"/>
-                <a:ea typeface="Times New Roman"/>
-                <a:cs typeface="Times New Roman"/>
-                <a:sym typeface="Times New Roman"/>
-              </a:rPr>
-              <a:t>Заключение</a:t>
-            </a:r>
-            <a:endParaRPr b="1" sz="2820">
-              <a:latin typeface="Times New Roman"/>
-              <a:ea typeface="Times New Roman"/>
-              <a:cs typeface="Times New Roman"/>
-              <a:sym typeface="Times New Roman"/>
-            </a:endParaRPr>
-          </a:p>
-        </p:txBody>
-      </p:sp>
-      <p:sp>
-        <p:nvSpPr>
-          <p:cNvPr id="171" name="Google Shape;171;p27"/>
-          <p:cNvSpPr txBox="1"/>
-          <p:nvPr>
-            <p:ph idx="1" type="body"/>
-          </p:nvPr>
-        </p:nvSpPr>
-        <p:spPr>
-          <a:xfrm>
-            <a:off x="311700" y="1152475"/>
-            <a:ext cx="8520600" cy="3416400"/>
-          </a:xfrm>
-          <a:prstGeom prst="rect">
-            <a:avLst/>
-          </a:prstGeom>
-        </p:spPr>
-        <p:txBody>
-          <a:bodyPr anchorCtr="0" anchor="t" bIns="91425" lIns="91425" spcFirstLastPara="1" rIns="91425" wrap="square" tIns="91425">
-            <a:normAutofit lnSpcReduction="10000"/>
-          </a:bodyPr>
-          <a:lstStyle/>
-          <a:p>
-            <a:pPr indent="269999" lvl="0" marL="0" rtl="0" algn="l">
-              <a:spcBef>
-                <a:spcPts val="0"/>
-              </a:spcBef>
-              <a:spcAft>
-                <a:spcPts val="0"/>
-              </a:spcAft>
-              <a:buNone/>
-            </a:pPr>
-            <a:r>
-              <a:rPr lang="ru">
-                <a:solidFill>
-                  <a:schemeClr val="dk1"/>
-                </a:solidFill>
-                <a:latin typeface="Times New Roman"/>
-                <a:ea typeface="Times New Roman"/>
-                <a:cs typeface="Times New Roman"/>
-                <a:sym typeface="Times New Roman"/>
-              </a:rPr>
-              <a:t>Цель курсовой работы достигнута, все поставленные задачи решены:</a:t>
-            </a:r>
-            <a:endParaRPr>
-              <a:solidFill>
-                <a:schemeClr val="dk1"/>
-              </a:solidFill>
-              <a:latin typeface="Times New Roman"/>
-              <a:ea typeface="Times New Roman"/>
-              <a:cs typeface="Times New Roman"/>
-              <a:sym typeface="Times New Roman"/>
-            </a:endParaRPr>
-          </a:p>
-          <a:p>
-            <a:pPr indent="-342900" lvl="0" marL="457200" rtl="0" algn="l">
-              <a:spcBef>
-                <a:spcPts val="1200"/>
-              </a:spcBef>
-              <a:spcAft>
-                <a:spcPts val="0"/>
-              </a:spcAft>
-              <a:buClr>
-                <a:schemeClr val="dk1"/>
-              </a:buClr>
-              <a:buSzPts val="1800"/>
-              <a:buFont typeface="Times New Roman"/>
-              <a:buChar char="●"/>
-            </a:pPr>
-            <a:r>
-              <a:rPr lang="ru">
-                <a:solidFill>
-                  <a:schemeClr val="dk1"/>
-                </a:solidFill>
-                <a:latin typeface="Times New Roman"/>
-                <a:ea typeface="Times New Roman"/>
-                <a:cs typeface="Times New Roman"/>
-                <a:sym typeface="Times New Roman"/>
-              </a:rPr>
-              <a:t>р</a:t>
-            </a:r>
-            <a:r>
-              <a:rPr lang="ru">
-                <a:solidFill>
-                  <a:schemeClr val="dk1"/>
-                </a:solidFill>
-                <a:latin typeface="Times New Roman"/>
-                <a:ea typeface="Times New Roman"/>
-                <a:cs typeface="Times New Roman"/>
-                <a:sym typeface="Times New Roman"/>
-              </a:rPr>
-              <a:t>азработана базы данных для онлайн-мониторинга состояния трасс и подъемников горнолыжного курорта;</a:t>
-            </a:r>
-            <a:endParaRPr>
-              <a:solidFill>
-                <a:schemeClr val="dk1"/>
-              </a:solidFill>
-              <a:latin typeface="Times New Roman"/>
-              <a:ea typeface="Times New Roman"/>
-              <a:cs typeface="Times New Roman"/>
-              <a:sym typeface="Times New Roman"/>
-            </a:endParaRPr>
-          </a:p>
-          <a:p>
-            <a:pPr indent="-342900" lvl="0" marL="457200" rtl="0" algn="l">
-              <a:spcBef>
-                <a:spcPts val="0"/>
-              </a:spcBef>
-              <a:spcAft>
-                <a:spcPts val="0"/>
-              </a:spcAft>
-              <a:buClr>
-                <a:schemeClr val="dk1"/>
-              </a:buClr>
-              <a:buSzPts val="1800"/>
-              <a:buFont typeface="Times New Roman"/>
-              <a:buChar char="●"/>
-            </a:pPr>
-            <a:r>
-              <a:rPr lang="ru">
-                <a:solidFill>
-                  <a:schemeClr val="dk1"/>
-                </a:solidFill>
-                <a:latin typeface="Times New Roman"/>
-                <a:ea typeface="Times New Roman"/>
-                <a:cs typeface="Times New Roman"/>
-                <a:sym typeface="Times New Roman"/>
-              </a:rPr>
-              <a:t>разработано программное обеспечение для доступа к данным;</a:t>
-            </a:r>
-            <a:endParaRPr>
-              <a:solidFill>
-                <a:schemeClr val="dk1"/>
-              </a:solidFill>
-              <a:latin typeface="Times New Roman"/>
-              <a:ea typeface="Times New Roman"/>
-              <a:cs typeface="Times New Roman"/>
-              <a:sym typeface="Times New Roman"/>
-            </a:endParaRPr>
-          </a:p>
-          <a:p>
-            <a:pPr indent="-342900" lvl="0" marL="457200" rtl="0" algn="l">
-              <a:spcBef>
-                <a:spcPts val="0"/>
-              </a:spcBef>
-              <a:spcAft>
-                <a:spcPts val="0"/>
-              </a:spcAft>
-              <a:buClr>
-                <a:schemeClr val="dk1"/>
-              </a:buClr>
-              <a:buSzPts val="1800"/>
-              <a:buFont typeface="Times New Roman"/>
-              <a:buChar char="●"/>
-            </a:pPr>
-            <a:r>
-              <a:rPr lang="ru">
-                <a:solidFill>
-                  <a:schemeClr val="dk1"/>
-                </a:solidFill>
-                <a:latin typeface="Times New Roman"/>
-                <a:ea typeface="Times New Roman"/>
-                <a:cs typeface="Times New Roman"/>
-                <a:sym typeface="Times New Roman"/>
-              </a:rPr>
-              <a:t>проведено исследование зависимости времени обработки данных от их объема и от распределения вычислений между базой данных и приложением.</a:t>
-            </a:r>
-            <a:endParaRPr>
-              <a:solidFill>
-                <a:schemeClr val="dk1"/>
-              </a:solidFill>
-              <a:latin typeface="Times New Roman"/>
-              <a:ea typeface="Times New Roman"/>
-              <a:cs typeface="Times New Roman"/>
-              <a:sym typeface="Times New Roman"/>
-            </a:endParaRPr>
-          </a:p>
-          <a:p>
-            <a:pPr indent="269999" lvl="0" marL="0" rtl="0" algn="l">
-              <a:spcBef>
-                <a:spcPts val="1200"/>
-              </a:spcBef>
-              <a:spcAft>
-                <a:spcPts val="0"/>
-              </a:spcAft>
-              <a:buNone/>
-            </a:pPr>
-            <a:r>
-              <a:rPr lang="ru">
-                <a:solidFill>
-                  <a:schemeClr val="dk1"/>
-                </a:solidFill>
-                <a:latin typeface="Times New Roman"/>
-                <a:ea typeface="Times New Roman"/>
-                <a:cs typeface="Times New Roman"/>
-                <a:sym typeface="Times New Roman"/>
-              </a:rPr>
-              <a:t>Возможное дальнейшее развитие:</a:t>
-            </a:r>
-            <a:endParaRPr>
-              <a:solidFill>
-                <a:schemeClr val="dk1"/>
-              </a:solidFill>
-              <a:latin typeface="Times New Roman"/>
-              <a:ea typeface="Times New Roman"/>
-              <a:cs typeface="Times New Roman"/>
-              <a:sym typeface="Times New Roman"/>
-            </a:endParaRPr>
-          </a:p>
-          <a:p>
-            <a:pPr indent="-301500" lvl="0" marL="457200" rtl="0" algn="l">
-              <a:spcBef>
-                <a:spcPts val="1200"/>
-              </a:spcBef>
-              <a:spcAft>
-                <a:spcPts val="0"/>
-              </a:spcAft>
-              <a:buClr>
-                <a:schemeClr val="dk1"/>
-              </a:buClr>
-              <a:buSzPts val="1800"/>
-              <a:buFont typeface="Times New Roman"/>
-              <a:buChar char="●"/>
-            </a:pPr>
-            <a:r>
-              <a:rPr lang="ru">
-                <a:solidFill>
-                  <a:schemeClr val="dk1"/>
-                </a:solidFill>
-                <a:latin typeface="Times New Roman"/>
-                <a:ea typeface="Times New Roman"/>
-                <a:cs typeface="Times New Roman"/>
-                <a:sym typeface="Times New Roman"/>
-              </a:rPr>
-              <a:t>использование данных с видеокамер</a:t>
-            </a:r>
-            <a:r>
-              <a:rPr lang="ru">
-                <a:solidFill>
-                  <a:schemeClr val="dk1"/>
-                </a:solidFill>
-                <a:latin typeface="Times New Roman"/>
-                <a:ea typeface="Times New Roman"/>
-                <a:cs typeface="Times New Roman"/>
-                <a:sym typeface="Times New Roman"/>
-              </a:rPr>
-              <a:t>;</a:t>
-            </a:r>
-            <a:endParaRPr>
-              <a:solidFill>
-                <a:schemeClr val="dk1"/>
-              </a:solidFill>
-              <a:latin typeface="Times New Roman"/>
-              <a:ea typeface="Times New Roman"/>
-              <a:cs typeface="Times New Roman"/>
-              <a:sym typeface="Times New Roman"/>
-            </a:endParaRPr>
-          </a:p>
-          <a:p>
-            <a:pPr indent="-301500" lvl="0" marL="457200" rtl="0" algn="l">
-              <a:spcBef>
-                <a:spcPts val="0"/>
-              </a:spcBef>
-              <a:spcAft>
-                <a:spcPts val="0"/>
-              </a:spcAft>
-              <a:buClr>
-                <a:schemeClr val="dk1"/>
-              </a:buClr>
-              <a:buSzPts val="1800"/>
-              <a:buFont typeface="Times New Roman"/>
-              <a:buChar char="●"/>
-            </a:pPr>
-            <a:r>
-              <a:rPr lang="ru">
-                <a:solidFill>
-                  <a:schemeClr val="dk1"/>
-                </a:solidFill>
-                <a:latin typeface="Times New Roman"/>
-                <a:ea typeface="Times New Roman"/>
-                <a:cs typeface="Times New Roman"/>
-                <a:sym typeface="Times New Roman"/>
-              </a:rPr>
-              <a:t>добавление информации о погодных условиях.</a:t>
-            </a:r>
-            <a:endParaRPr>
-              <a:solidFill>
-                <a:schemeClr val="dk1"/>
-              </a:solidFill>
-              <a:latin typeface="Times New Roman"/>
-              <a:ea typeface="Times New Roman"/>
-              <a:cs typeface="Times New Roman"/>
-              <a:sym typeface="Times New Roman"/>
-            </a:endParaRPr>
-          </a:p>
-        </p:txBody>
-      </p:sp>
-      <p:sp>
-        <p:nvSpPr>
-          <p:cNvPr id="172" name="Google Shape;172;p27"/>
-          <p:cNvSpPr txBox="1"/>
-          <p:nvPr/>
-        </p:nvSpPr>
-        <p:spPr>
-          <a:xfrm>
-            <a:off x="8472458" y="4663217"/>
-            <a:ext cx="548700" cy="393600"/>
-          </a:xfrm>
-          <a:prstGeom prst="rect">
-            <a:avLst/>
-          </a:prstGeom>
-          <a:noFill/>
-          <a:ln>
-            <a:noFill/>
-          </a:ln>
-        </p:spPr>
-        <p:txBody>
-          <a:bodyPr anchorCtr="0" anchor="ctr" bIns="91425" lIns="91425" spcFirstLastPara="1" rIns="91425" wrap="square" tIns="91425">
-            <a:normAutofit/>
-          </a:bodyPr>
-          <a:lstStyle/>
-          <a:p>
-            <a:pPr indent="0" lvl="0" marL="0" rtl="0" algn="r">
-              <a:spcBef>
-                <a:spcPts val="0"/>
-              </a:spcBef>
-              <a:spcAft>
-                <a:spcPts val="0"/>
-              </a:spcAft>
-              <a:buNone/>
-            </a:pPr>
-            <a:fld id="{00000000-1234-1234-1234-123412341234}" type="slidenum">
-              <a:rPr lang="ru" sz="1000">
-                <a:solidFill>
-                  <a:srgbClr val="595959"/>
-                </a:solidFill>
-              </a:rPr>
-              <a:t>‹#›</a:t>
-            </a:fld>
-            <a:endParaRPr sz="1000">
-              <a:solidFill>
-                <a:srgbClr val="595959"/>
-              </a:solidFill>
-            </a:endParaRPr>
-          </a:p>
-        </p:txBody>
-      </p:sp>
-      <p:sp>
-        <p:nvSpPr>
-          <p:cNvPr id="173" name="Google Shape;173;p27"/>
-          <p:cNvSpPr txBox="1"/>
-          <p:nvPr>
-            <p:ph idx="12" type="sldNum"/>
-          </p:nvPr>
-        </p:nvSpPr>
-        <p:spPr>
-          <a:xfrm>
-            <a:off x="8472458" y="4663217"/>
-            <a:ext cx="548700" cy="393600"/>
-          </a:xfrm>
-          <a:prstGeom prst="rect">
-            <a:avLst/>
-          </a:prstGeom>
-        </p:spPr>
-        <p:txBody>
-          <a:bodyPr anchorCtr="0" anchor="ctr" bIns="91425" lIns="91425" spcFirstLastPara="1" rIns="91425" wrap="square" tIns="91425">
-            <a:normAutofit/>
-          </a:bodyPr>
-          <a:lstStyle/>
-          <a:p>
-            <a:pPr indent="0" lvl="0" marL="0" rtl="0" algn="r">
-              <a:spcBef>
-                <a:spcPts val="0"/>
-              </a:spcBef>
-              <a:spcAft>
-                <a:spcPts val="0"/>
-              </a:spcAft>
-              <a:buNone/>
-            </a:pPr>
-            <a:fld id="{00000000-1234-1234-1234-123412341234}" type="slidenum">
-              <a:rPr lang="ru"/>
-              <a:t>‹#›</a:t>
-            </a:fld>
-            <a:endParaRPr/>
-          </a:p>
-        </p:txBody>
-      </p:sp>
-    </p:spTree>
-  </p:cSld>
-  <p:clrMapOvr>
-    <a:masterClrMapping/>
-  </p:clrMapOvr>
-</p:sld>
-</file>
-
-<file path=ppt/slides/slide2.xml><?xml version="1.0" encoding="utf-8"?>
-<p:sld xmlns:a="http://schemas.openxmlformats.org/drawingml/2006/main" xmlns:r="http://schemas.openxmlformats.org/officeDocument/2006/relationships" xmlns:mc="http://schemas.openxmlformats.org/markup-compatibility/2006" xmlns:mv="urn:schemas-microsoft-com:mac:vml" xmlns:p="http://schemas.openxmlformats.org/presentationml/2006/main" xmlns:c="http://schemas.openxmlformats.org/drawingml/2006/chart" xmlns:dgm="http://schemas.openxmlformats.org/drawingml/2006/diagram" xmlns:o="urn:schemas-microsoft-com:office:office" xmlns:v="urn:schemas-microsoft-com:vml" xmlns:pvml="urn:schemas-microsoft-com:office:powerpoint" xmlns:com="http://schemas.openxmlformats.org/drawingml/2006/compatibility" xmlns:p14="http://schemas.microsoft.com/office/powerpoint/2010/main" xmlns:p15="http://schemas.microsoft.com/office/powerpoint/2012/main" xmlns:ahyp="http://schemas.microsoft.com/office/drawing/2018/hyperlinkcolor">
-  <p:cSld>
-    <p:spTree>
-      <p:nvGrpSpPr>
-        <p:cNvPr id="62" name="Shape 62"/>
-        <p:cNvGrpSpPr/>
-        <p:nvPr/>
-      </p:nvGrpSpPr>
-      <p:grpSpPr>
-        <a:xfrm>
-          <a:off x="0" y="0"/>
-          <a:ext cx="0" cy="0"/>
-          <a:chOff x="0" y="0"/>
-          <a:chExt cx="0" cy="0"/>
-        </a:xfrm>
-      </p:grpSpPr>
-      <p:sp>
-        <p:nvSpPr>
-          <p:cNvPr id="63" name="Google Shape;63;p14"/>
+          <p:cNvPr id="62" name="Google Shape;62;p14"/>
           <p:cNvSpPr txBox="1"/>
           <p:nvPr>
             <p:ph type="title"/>
@@ -9297,7 +8773,7 @@
       </p:sp>
       <p:sp>
         <p:nvSpPr>
-          <p:cNvPr id="64" name="Google Shape;64;p14"/>
+          <p:cNvPr id="63" name="Google Shape;63;p14"/>
           <p:cNvSpPr txBox="1"/>
           <p:nvPr>
             <p:ph idx="1" type="body"/>
@@ -9685,7 +9161,7 @@
       </p:sp>
       <p:sp>
         <p:nvSpPr>
-          <p:cNvPr id="65" name="Google Shape;65;p14"/>
+          <p:cNvPr id="64" name="Google Shape;64;p14"/>
           <p:cNvSpPr txBox="1"/>
           <p:nvPr/>
         </p:nvSpPr>
@@ -9735,7 +9211,7 @@
       </p:sp>
       <p:sp>
         <p:nvSpPr>
-          <p:cNvPr id="66" name="Google Shape;66;p14"/>
+          <p:cNvPr id="65" name="Google Shape;65;p14"/>
           <p:cNvSpPr txBox="1"/>
           <p:nvPr>
             <p:ph idx="12" type="sldNum"/>
@@ -9786,7 +9262,7 @@
   <p:cSld>
     <p:spTree>
       <p:nvGrpSpPr>
-        <p:cNvPr id="70" name="Shape 70"/>
+        <p:cNvPr id="69" name="Shape 69"/>
         <p:cNvGrpSpPr/>
         <p:nvPr/>
       </p:nvGrpSpPr>
@@ -9800,7 +9276,7 @@
       </p:grpSpPr>
       <p:sp>
         <p:nvSpPr>
-          <p:cNvPr id="71" name="Google Shape;71;p15"/>
+          <p:cNvPr id="70" name="Google Shape;70;p15"/>
           <p:cNvSpPr txBox="1"/>
           <p:nvPr>
             <p:ph type="title"/>
@@ -9844,7 +9320,7 @@
       </p:sp>
       <p:sp>
         <p:nvSpPr>
-          <p:cNvPr id="72" name="Google Shape;72;p15"/>
+          <p:cNvPr id="71" name="Google Shape;71;p15"/>
           <p:cNvSpPr txBox="1"/>
           <p:nvPr/>
         </p:nvSpPr>
@@ -9894,7 +9370,7 @@
       </p:sp>
       <p:sp>
         <p:nvSpPr>
-          <p:cNvPr id="73" name="Google Shape;73;p15"/>
+          <p:cNvPr id="72" name="Google Shape;72;p15"/>
           <p:cNvSpPr txBox="1"/>
           <p:nvPr>
             <p:ph idx="12" type="sldNum"/>
@@ -9934,7 +9410,7 @@
       </p:sp>
       <p:graphicFrame>
         <p:nvGraphicFramePr>
-          <p:cNvPr id="74" name="Google Shape;74;p15"/>
+          <p:cNvPr id="73" name="Google Shape;73;p15"/>
           <p:cNvGraphicFramePr/>
           <p:nvPr/>
         </p:nvGraphicFramePr>
@@ -9947,7 +9423,7 @@
             <a:tbl>
               <a:tblPr>
                 <a:noFill/>
-                <a:tableStyleId>{85EF6ADC-D944-4CFB-A20A-31DD68B88636}</a:tableStyleId>
+                <a:tableStyleId>{B2FE27CA-B417-4928-AC4B-6492E721FD59}</a:tableStyleId>
               </a:tblPr>
               <a:tblGrid>
                 <a:gridCol w="1220350"/>
@@ -10459,7 +9935,7 @@
       </p:graphicFrame>
       <p:sp>
         <p:nvSpPr>
-          <p:cNvPr id="75" name="Google Shape;75;p15"/>
+          <p:cNvPr id="74" name="Google Shape;74;p15"/>
           <p:cNvSpPr txBox="1"/>
           <p:nvPr/>
         </p:nvSpPr>
@@ -10516,7 +9992,7 @@
   <p:cSld>
     <p:spTree>
       <p:nvGrpSpPr>
-        <p:cNvPr id="79" name="Shape 79"/>
+        <p:cNvPr id="78" name="Shape 78"/>
         <p:cNvGrpSpPr/>
         <p:nvPr/>
       </p:nvGrpSpPr>
@@ -10530,7 +10006,7 @@
       </p:grpSpPr>
       <p:sp>
         <p:nvSpPr>
-          <p:cNvPr id="80" name="Google Shape;80;p16"/>
+          <p:cNvPr id="79" name="Google Shape;79;p16"/>
           <p:cNvSpPr txBox="1"/>
           <p:nvPr>
             <p:ph type="title"/>
@@ -10574,7 +10050,7 @@
       </p:sp>
       <p:pic>
         <p:nvPicPr>
-          <p:cNvPr id="81" name="Google Shape;81;p16"/>
+          <p:cNvPr id="80" name="Google Shape;80;p16"/>
           <p:cNvPicPr preferRelativeResize="0"/>
           <p:nvPr/>
         </p:nvPicPr>
@@ -10602,7 +10078,7 @@
       </p:pic>
       <p:sp>
         <p:nvSpPr>
-          <p:cNvPr id="82" name="Google Shape;82;p16"/>
+          <p:cNvPr id="81" name="Google Shape;81;p16"/>
           <p:cNvSpPr txBox="1"/>
           <p:nvPr>
             <p:ph idx="12" type="sldNum"/>
@@ -10653,7 +10129,7 @@
   <p:cSld>
     <p:spTree>
       <p:nvGrpSpPr>
-        <p:cNvPr id="86" name="Shape 86"/>
+        <p:cNvPr id="85" name="Shape 85"/>
         <p:cNvGrpSpPr/>
         <p:nvPr/>
       </p:nvGrpSpPr>
@@ -10667,7 +10143,7 @@
       </p:grpSpPr>
       <p:sp>
         <p:nvSpPr>
-          <p:cNvPr id="87" name="Google Shape;87;p17"/>
+          <p:cNvPr id="86" name="Google Shape;86;p17"/>
           <p:cNvSpPr txBox="1"/>
           <p:nvPr>
             <p:ph type="title"/>
@@ -10699,7 +10175,7 @@
             </a:pPr>
             <a:r>
               <a:rPr b="1" lang="ru"/>
-              <a:t>Типы пользователей (начало)</a:t>
+              <a:t>Типы пользователей: авторизованный и неавторизованный</a:t>
             </a:r>
             <a:endParaRPr b="1"/>
           </a:p>
@@ -10707,7 +10183,7 @@
       </p:sp>
       <p:sp>
         <p:nvSpPr>
-          <p:cNvPr id="88" name="Google Shape;88;p17"/>
+          <p:cNvPr id="87" name="Google Shape;87;p17"/>
           <p:cNvSpPr txBox="1"/>
           <p:nvPr>
             <p:ph idx="12" type="sldNum"/>
@@ -10747,7 +10223,7 @@
       </p:sp>
       <p:pic>
         <p:nvPicPr>
-          <p:cNvPr id="89" name="Google Shape;89;p17"/>
+          <p:cNvPr id="88" name="Google Shape;88;p17"/>
           <p:cNvPicPr preferRelativeResize="0"/>
           <p:nvPr/>
         </p:nvPicPr>
@@ -10761,8 +10237,8 @@
         </p:blipFill>
         <p:spPr>
           <a:xfrm>
-            <a:off x="266925" y="710500"/>
-            <a:ext cx="3816050" cy="2345750"/>
+            <a:off x="480585" y="1039900"/>
+            <a:ext cx="3594441" cy="2209525"/>
           </a:xfrm>
           <a:prstGeom prst="rect">
             <a:avLst/>
@@ -10775,7 +10251,7 @@
       </p:pic>
       <p:pic>
         <p:nvPicPr>
-          <p:cNvPr id="90" name="Google Shape;90;p17"/>
+          <p:cNvPr id="89" name="Google Shape;89;p17"/>
           <p:cNvPicPr preferRelativeResize="0"/>
           <p:nvPr/>
         </p:nvPicPr>
@@ -10789,8 +10265,8 @@
         </p:blipFill>
         <p:spPr>
           <a:xfrm>
-            <a:off x="2502150" y="3161775"/>
-            <a:ext cx="6106251" cy="1895050"/>
+            <a:off x="2750850" y="3249425"/>
+            <a:ext cx="6000651" cy="1862275"/>
           </a:xfrm>
           <a:prstGeom prst="rect">
             <a:avLst/>
@@ -10803,7 +10279,7 @@
       </p:pic>
       <p:sp>
         <p:nvSpPr>
-          <p:cNvPr id="91" name="Google Shape;91;p17"/>
+          <p:cNvPr id="90" name="Google Shape;90;p17"/>
           <p:cNvSpPr txBox="1"/>
           <p:nvPr/>
         </p:nvSpPr>
@@ -10978,7 +10454,7 @@
   <p:cSld>
     <p:spTree>
       <p:nvGrpSpPr>
-        <p:cNvPr id="95" name="Shape 95"/>
+        <p:cNvPr id="94" name="Shape 94"/>
         <p:cNvGrpSpPr/>
         <p:nvPr/>
       </p:nvGrpSpPr>
@@ -10992,7 +10468,7 @@
       </p:grpSpPr>
       <p:sp>
         <p:nvSpPr>
-          <p:cNvPr id="96" name="Google Shape;96;p18"/>
+          <p:cNvPr id="95" name="Google Shape;95;p18"/>
           <p:cNvSpPr txBox="1"/>
           <p:nvPr>
             <p:ph type="title"/>
@@ -11024,7 +10500,7 @@
             </a:pPr>
             <a:r>
               <a:rPr b="1" lang="ru"/>
-              <a:t>Типы пользователей (продолжение)</a:t>
+              <a:t>Типы пользователей: сотрудник лыжного патруля и администратор</a:t>
             </a:r>
             <a:endParaRPr b="1"/>
           </a:p>
@@ -11032,7 +10508,7 @@
       </p:sp>
       <p:sp>
         <p:nvSpPr>
-          <p:cNvPr id="97" name="Google Shape;97;p18"/>
+          <p:cNvPr id="96" name="Google Shape;96;p18"/>
           <p:cNvSpPr txBox="1"/>
           <p:nvPr>
             <p:ph idx="12" type="sldNum"/>
@@ -11072,7 +10548,7 @@
       </p:sp>
       <p:pic>
         <p:nvPicPr>
-          <p:cNvPr id="98" name="Google Shape;98;p18"/>
+          <p:cNvPr id="97" name="Google Shape;97;p18"/>
           <p:cNvPicPr preferRelativeResize="0"/>
           <p:nvPr/>
         </p:nvPicPr>
@@ -11086,8 +10562,8 @@
         </p:blipFill>
         <p:spPr>
           <a:xfrm>
-            <a:off x="65100" y="710500"/>
-            <a:ext cx="5665900" cy="1801225"/>
+            <a:off x="311700" y="1003600"/>
+            <a:ext cx="5460475" cy="1735925"/>
           </a:xfrm>
           <a:prstGeom prst="rect">
             <a:avLst/>
@@ -11100,7 +10576,7 @@
       </p:pic>
       <p:pic>
         <p:nvPicPr>
-          <p:cNvPr id="99" name="Google Shape;99;p18"/>
+          <p:cNvPr id="98" name="Google Shape;98;p18"/>
           <p:cNvPicPr preferRelativeResize="0"/>
           <p:nvPr/>
         </p:nvPicPr>
@@ -11114,8 +10590,8 @@
         </p:blipFill>
         <p:spPr>
           <a:xfrm>
-            <a:off x="3079875" y="2628550"/>
-            <a:ext cx="5586300" cy="2428275"/>
+            <a:off x="3243750" y="2739525"/>
+            <a:ext cx="5422425" cy="2357050"/>
           </a:xfrm>
           <a:prstGeom prst="rect">
             <a:avLst/>
@@ -11139,7 +10615,7 @@
   <p:cSld>
     <p:spTree>
       <p:nvGrpSpPr>
-        <p:cNvPr id="103" name="Shape 103"/>
+        <p:cNvPr id="102" name="Shape 102"/>
         <p:cNvGrpSpPr/>
         <p:nvPr/>
       </p:nvGrpSpPr>
@@ -11153,7 +10629,7 @@
       </p:grpSpPr>
       <p:sp>
         <p:nvSpPr>
-          <p:cNvPr id="104" name="Google Shape;104;p19"/>
+          <p:cNvPr id="103" name="Google Shape;103;p19"/>
           <p:cNvSpPr txBox="1"/>
           <p:nvPr>
             <p:ph type="title"/>
@@ -11193,7 +10669,7 @@
       </p:sp>
       <p:graphicFrame>
         <p:nvGraphicFramePr>
-          <p:cNvPr id="105" name="Google Shape;105;p19"/>
+          <p:cNvPr id="104" name="Google Shape;104;p19"/>
           <p:cNvGraphicFramePr/>
           <p:nvPr/>
         </p:nvGraphicFramePr>
@@ -11206,7 +10682,7 @@
             <a:tbl>
               <a:tblPr>
                 <a:noFill/>
-                <a:tableStyleId>{85EF6ADC-D944-4CFB-A20A-31DD68B88636}</a:tableStyleId>
+                <a:tableStyleId>{B2FE27CA-B417-4928-AC4B-6492E721FD59}</a:tableStyleId>
               </a:tblPr>
               <a:tblGrid>
                 <a:gridCol w="1888275"/>
@@ -12065,7 +11541,7 @@
       </p:graphicFrame>
       <p:sp>
         <p:nvSpPr>
-          <p:cNvPr id="106" name="Google Shape;106;p19"/>
+          <p:cNvPr id="105" name="Google Shape;105;p19"/>
           <p:cNvSpPr txBox="1"/>
           <p:nvPr/>
         </p:nvSpPr>
@@ -12117,7 +11593,7 @@
       </p:sp>
       <p:sp>
         <p:nvSpPr>
-          <p:cNvPr id="107" name="Google Shape;107;p19"/>
+          <p:cNvPr id="106" name="Google Shape;106;p19"/>
           <p:cNvSpPr txBox="1"/>
           <p:nvPr>
             <p:ph idx="12" type="sldNum"/>
@@ -12168,7 +11644,7 @@
   <p:cSld>
     <p:spTree>
       <p:nvGrpSpPr>
-        <p:cNvPr id="111" name="Shape 111"/>
+        <p:cNvPr id="110" name="Shape 110"/>
         <p:cNvGrpSpPr/>
         <p:nvPr/>
       </p:nvGrpSpPr>
@@ -12182,7 +11658,7 @@
       </p:grpSpPr>
       <p:sp>
         <p:nvSpPr>
-          <p:cNvPr id="112" name="Google Shape;112;p20"/>
+          <p:cNvPr id="111" name="Google Shape;111;p20"/>
           <p:cNvSpPr txBox="1"/>
           <p:nvPr>
             <p:ph type="title"/>
@@ -12222,7 +11698,7 @@
       </p:sp>
       <p:graphicFrame>
         <p:nvGraphicFramePr>
-          <p:cNvPr id="113" name="Google Shape;113;p20"/>
+          <p:cNvPr id="112" name="Google Shape;112;p20"/>
           <p:cNvGraphicFramePr/>
           <p:nvPr/>
         </p:nvGraphicFramePr>
@@ -12235,7 +11711,7 @@
             <a:tbl>
               <a:tblPr>
                 <a:noFill/>
-                <a:tableStyleId>{85EF6ADC-D944-4CFB-A20A-31DD68B88636}</a:tableStyleId>
+                <a:tableStyleId>{B2FE27CA-B417-4928-AC4B-6492E721FD59}</a:tableStyleId>
               </a:tblPr>
               <a:tblGrid>
                 <a:gridCol w="1680825"/>
@@ -12629,7 +12105,7 @@
       </p:graphicFrame>
       <p:sp>
         <p:nvSpPr>
-          <p:cNvPr id="114" name="Google Shape;114;p20"/>
+          <p:cNvPr id="113" name="Google Shape;113;p20"/>
           <p:cNvSpPr txBox="1"/>
           <p:nvPr>
             <p:ph idx="12" type="sldNum"/>
@@ -12680,7 +12156,7 @@
   <p:cSld>
     <p:spTree>
       <p:nvGrpSpPr>
-        <p:cNvPr id="118" name="Shape 118"/>
+        <p:cNvPr id="117" name="Shape 117"/>
         <p:cNvGrpSpPr/>
         <p:nvPr/>
       </p:nvGrpSpPr>
@@ -12694,7 +12170,7 @@
       </p:grpSpPr>
       <p:sp>
         <p:nvSpPr>
-          <p:cNvPr id="119" name="Google Shape;119;p21"/>
+          <p:cNvPr id="118" name="Google Shape;118;p21"/>
           <p:cNvSpPr txBox="1"/>
           <p:nvPr>
             <p:ph type="title"/>
@@ -12742,7 +12218,7 @@
       </p:sp>
       <p:pic>
         <p:nvPicPr>
-          <p:cNvPr id="120" name="Google Shape;120;p21"/>
+          <p:cNvPr id="119" name="Google Shape;119;p21"/>
           <p:cNvPicPr preferRelativeResize="0"/>
           <p:nvPr/>
         </p:nvPicPr>
@@ -12770,7 +12246,7 @@
       </p:pic>
       <p:sp>
         <p:nvSpPr>
-          <p:cNvPr id="121" name="Google Shape;121;p21"/>
+          <p:cNvPr id="120" name="Google Shape;120;p21"/>
           <p:cNvSpPr txBox="1"/>
           <p:nvPr>
             <p:ph idx="12" type="sldNum"/>
@@ -12810,7 +12286,7 @@
       </p:sp>
       <p:sp>
         <p:nvSpPr>
-          <p:cNvPr id="122" name="Google Shape;122;p21"/>
+          <p:cNvPr id="121" name="Google Shape;121;p21"/>
           <p:cNvSpPr txBox="1"/>
           <p:nvPr/>
         </p:nvSpPr>
